--- a/SmartCarCapstone.pptx
+++ b/SmartCarCapstone.pptx
@@ -305,7 +305,7 @@
             <a:fld id="{D9D26CB9-01E4-44B8-8084-BCC418CF4A2D}" type="datetimeFigureOut">
               <a:rPr lang="en-US" smtClean="0"/>
               <a:pPr/>
-              <a:t>5/25/2017</a:t>
+              <a:t>5/29/2017</a:t>
             </a:fld>
             <a:endParaRPr lang="en-US"/>
           </a:p>
@@ -472,7 +472,7 @@
             <a:fld id="{D9D26CB9-01E4-44B8-8084-BCC418CF4A2D}" type="datetimeFigureOut">
               <a:rPr lang="en-US" smtClean="0"/>
               <a:pPr/>
-              <a:t>5/25/2017</a:t>
+              <a:t>5/29/2017</a:t>
             </a:fld>
             <a:endParaRPr lang="en-US"/>
           </a:p>
@@ -649,7 +649,7 @@
             <a:fld id="{D9D26CB9-01E4-44B8-8084-BCC418CF4A2D}" type="datetimeFigureOut">
               <a:rPr lang="en-US" smtClean="0"/>
               <a:pPr/>
-              <a:t>5/25/2017</a:t>
+              <a:t>5/29/2017</a:t>
             </a:fld>
             <a:endParaRPr lang="en-US"/>
           </a:p>
@@ -816,7 +816,7 @@
             <a:fld id="{D9D26CB9-01E4-44B8-8084-BCC418CF4A2D}" type="datetimeFigureOut">
               <a:rPr lang="en-US" smtClean="0"/>
               <a:pPr/>
-              <a:t>5/25/2017</a:t>
+              <a:t>5/29/2017</a:t>
             </a:fld>
             <a:endParaRPr lang="en-US"/>
           </a:p>
@@ -1059,7 +1059,7 @@
             <a:fld id="{D9D26CB9-01E4-44B8-8084-BCC418CF4A2D}" type="datetimeFigureOut">
               <a:rPr lang="en-US" smtClean="0"/>
               <a:pPr/>
-              <a:t>5/25/2017</a:t>
+              <a:t>5/29/2017</a:t>
             </a:fld>
             <a:endParaRPr lang="en-US"/>
           </a:p>
@@ -1344,7 +1344,7 @@
             <a:fld id="{D9D26CB9-01E4-44B8-8084-BCC418CF4A2D}" type="datetimeFigureOut">
               <a:rPr lang="en-US" smtClean="0"/>
               <a:pPr/>
-              <a:t>5/25/2017</a:t>
+              <a:t>5/29/2017</a:t>
             </a:fld>
             <a:endParaRPr lang="en-US"/>
           </a:p>
@@ -1763,7 +1763,7 @@
             <a:fld id="{D9D26CB9-01E4-44B8-8084-BCC418CF4A2D}" type="datetimeFigureOut">
               <a:rPr lang="en-US" smtClean="0"/>
               <a:pPr/>
-              <a:t>5/25/2017</a:t>
+              <a:t>5/29/2017</a:t>
             </a:fld>
             <a:endParaRPr lang="en-US"/>
           </a:p>
@@ -1878,7 +1878,7 @@
             <a:fld id="{D9D26CB9-01E4-44B8-8084-BCC418CF4A2D}" type="datetimeFigureOut">
               <a:rPr lang="en-US" smtClean="0"/>
               <a:pPr/>
-              <a:t>5/25/2017</a:t>
+              <a:t>5/29/2017</a:t>
             </a:fld>
             <a:endParaRPr lang="en-US"/>
           </a:p>
@@ -1970,7 +1970,7 @@
             <a:fld id="{D9D26CB9-01E4-44B8-8084-BCC418CF4A2D}" type="datetimeFigureOut">
               <a:rPr lang="en-US" smtClean="0"/>
               <a:pPr/>
-              <a:t>5/25/2017</a:t>
+              <a:t>5/29/2017</a:t>
             </a:fld>
             <a:endParaRPr lang="en-US"/>
           </a:p>
@@ -2244,7 +2244,7 @@
             <a:fld id="{D9D26CB9-01E4-44B8-8084-BCC418CF4A2D}" type="datetimeFigureOut">
               <a:rPr lang="en-US" smtClean="0"/>
               <a:pPr/>
-              <a:t>5/25/2017</a:t>
+              <a:t>5/29/2017</a:t>
             </a:fld>
             <a:endParaRPr lang="en-US"/>
           </a:p>
@@ -2494,7 +2494,7 @@
             <a:fld id="{D9D26CB9-01E4-44B8-8084-BCC418CF4A2D}" type="datetimeFigureOut">
               <a:rPr lang="en-US" smtClean="0"/>
               <a:pPr/>
-              <a:t>5/25/2017</a:t>
+              <a:t>5/29/2017</a:t>
             </a:fld>
             <a:endParaRPr lang="en-US"/>
           </a:p>
@@ -2704,7 +2704,7 @@
             <a:fld id="{D9D26CB9-01E4-44B8-8084-BCC418CF4A2D}" type="datetimeFigureOut">
               <a:rPr lang="en-US" smtClean="0"/>
               <a:pPr/>
-              <a:t>5/25/2017</a:t>
+              <a:t>5/29/2017</a:t>
             </a:fld>
             <a:endParaRPr lang="en-US"/>
           </a:p>
@@ -3087,7 +3087,7 @@
         </p:nvSpPr>
         <p:spPr>
           <a:xfrm>
-            <a:off x="0" y="0"/>
+            <a:off x="34679" y="-496345"/>
             <a:ext cx="43891201" cy="28575000"/>
           </a:xfrm>
           <a:solidFill>
@@ -3103,6 +3103,14 @@
           </a:bodyPr>
           <a:lstStyle/>
           <a:p>
+            <a:r>
+              <a:rPr lang="en-US" sz="2500" dirty="0" smtClean="0">
+                <a:solidFill>
+                  <a:schemeClr val="tx1"/>
+                </a:solidFill>
+              </a:rPr>
+              <a:t> </a:t>
+            </a:r>
             <a:endParaRPr lang="en-US" sz="2500" dirty="0">
               <a:solidFill>
                 <a:schemeClr val="tx1"/>
@@ -3165,35 +3173,6 @@
           </a:p>
         </p:txBody>
       </p:sp>
-      <p:pic>
-        <p:nvPicPr>
-          <p:cNvPr id="6" name="Picture 5" descr="wafer.gif"/>
-          <p:cNvPicPr>
-            <a:picLocks noChangeAspect="1"/>
-          </p:cNvPicPr>
-          <p:nvPr/>
-        </p:nvPicPr>
-        <p:blipFill>
-          <a:blip r:embed="rId3"/>
-          <a:stretch>
-            <a:fillRect/>
-          </a:stretch>
-        </p:blipFill>
-        <p:spPr>
-          <a:xfrm>
-            <a:off x="15850987" y="20017428"/>
-            <a:ext cx="12772334" cy="8115237"/>
-          </a:xfrm>
-          <a:prstGeom prst="rect">
-            <a:avLst/>
-          </a:prstGeom>
-          <a:ln>
-            <a:solidFill>
-              <a:srgbClr val="00759A"/>
-            </a:solidFill>
-          </a:ln>
-        </p:spPr>
-      </p:pic>
       <p:sp>
         <p:nvSpPr>
           <p:cNvPr id="7" name="TextBox 6"/>
@@ -3202,7 +3181,7 @@
         </p:nvSpPr>
         <p:spPr>
           <a:xfrm>
-            <a:off x="15509782" y="13108235"/>
+            <a:off x="15509782" y="13978640"/>
             <a:ext cx="13454743" cy="7892088"/>
           </a:xfrm>
           <a:prstGeom prst="rect">
@@ -3336,17 +3315,8 @@
               <a:rPr lang="en-US" sz="2500" dirty="0" smtClean="0">
                 <a:latin typeface="Verdana" pitchFamily="34" charset="0"/>
               </a:rPr>
-              <a:t>Smart devices are the focus for current technology. From smart phones to smart TVs, smart cars are now the next big thing. There are currently devices that connect to a car’s OBD (On-Board Diagnostic) port to access data but are missing other smart features. Many of these devices depend on a smart phone as the display. This capstone’s goal is to create a device that will be able to access and display important car data without the use of a smartphone</a:t>
-            </a:r>
-            <a:r>
-              <a:rPr lang="en-US" sz="2500" dirty="0" smtClean="0">
-                <a:latin typeface="Verdana" pitchFamily="34" charset="0"/>
-              </a:rPr>
-              <a:t>.</a:t>
-            </a:r>
-            <a:endParaRPr lang="en-US" sz="2500" dirty="0" smtClean="0">
-              <a:latin typeface="Verdana" pitchFamily="34" charset="0"/>
-            </a:endParaRPr>
+              <a:t>Smart devices are the focus for current technology. From smart phones to smart TVs, smart cars are now the next big thing. There are currently devices that connect to a car’s OBD (On-Board Diagnostic) port to access data but are missing other smart features. Many of these devices depend on a smart phone as the display. This capstone’s goal is to create a device that will be able to access and display important car data without the use of a smartphone.</a:t>
+            </a:r>
           </a:p>
           <a:p>
             <a:endParaRPr lang="en-US" sz="2500" dirty="0">
@@ -3515,31 +3485,7 @@
                 </a:solidFill>
                 <a:latin typeface="Garamond" pitchFamily="18" charset="0"/>
               </a:rPr>
-              <a:t>Device </a:t>
-            </a:r>
-            <a:r>
-              <a:rPr lang="en-US" sz="19000" b="1" dirty="0" smtClean="0">
-                <a:solidFill>
-                  <a:schemeClr val="tx1">
-                    <a:lumMod val="75000"/>
-                    <a:lumOff val="25000"/>
-                  </a:schemeClr>
-                </a:solidFill>
-                <a:latin typeface="Garamond" pitchFamily="18" charset="0"/>
-              </a:rPr>
-              <a:t>Design </a:t>
-            </a:r>
-            <a:r>
-              <a:rPr lang="en-US" sz="19000" b="1" dirty="0" smtClean="0">
-                <a:solidFill>
-                  <a:schemeClr val="tx1">
-                    <a:lumMod val="75000"/>
-                    <a:lumOff val="25000"/>
-                  </a:schemeClr>
-                </a:solidFill>
-                <a:latin typeface="Garamond" pitchFamily="18" charset="0"/>
-              </a:rPr>
-              <a:t>for Smart Car</a:t>
+              <a:t>Device Design for Smart Car</a:t>
             </a:r>
             <a:r>
               <a:rPr lang="en-US" sz="19000" b="1" dirty="0">
@@ -3759,37 +3705,8 @@
         </p:blipFill>
         <p:spPr>
           <a:xfrm>
-            <a:off x="31472296" y="22058001"/>
-            <a:ext cx="10207408" cy="5715000"/>
-          </a:xfrm>
-          <a:prstGeom prst="rect">
-            <a:avLst/>
-          </a:prstGeom>
-          <a:ln>
-            <a:solidFill>
-              <a:srgbClr val="00759A"/>
-            </a:solidFill>
-          </a:ln>
-        </p:spPr>
-      </p:pic>
-      <p:pic>
-        <p:nvPicPr>
-          <p:cNvPr id="21" name="Picture 20" descr="wafer.gif"/>
-          <p:cNvPicPr>
-            <a:picLocks noChangeAspect="1"/>
-          </p:cNvPicPr>
-          <p:nvPr/>
-        </p:nvPicPr>
-        <p:blipFill>
-          <a:blip r:embed="rId3"/>
-          <a:stretch>
-            <a:fillRect/>
-          </a:stretch>
-        </p:blipFill>
-        <p:spPr>
-          <a:xfrm>
-            <a:off x="15349715" y="7386830"/>
-            <a:ext cx="13376425" cy="5114403"/>
+            <a:off x="30842438" y="19821938"/>
+            <a:ext cx="11644039" cy="5715000"/>
           </a:xfrm>
           <a:prstGeom prst="rect">
             <a:avLst/>
@@ -3817,8 +3734,8 @@
         </p:blipFill>
         <p:spPr>
           <a:xfrm>
-            <a:off x="3329683" y="22267677"/>
-            <a:ext cx="8716066" cy="5537981"/>
+            <a:off x="4939206" y="22256705"/>
+            <a:ext cx="8739495" cy="5146770"/>
           </a:xfrm>
           <a:prstGeom prst="rect">
             <a:avLst/>
@@ -3957,7 +3874,218 @@
         </p:nvSpPr>
         <p:spPr>
           <a:xfrm>
-            <a:off x="36628132" y="11027037"/>
+            <a:off x="15509782" y="7672984"/>
+            <a:ext cx="3415260" cy="5845374"/>
+          </a:xfrm>
+          <a:prstGeom prst="rect">
+            <a:avLst/>
+          </a:prstGeom>
+          <a:noFill/>
+          <a:ln>
+            <a:noFill/>
+          </a:ln>
+        </p:spPr>
+        <p:txBody>
+          <a:bodyPr wrap="square" lIns="73841" tIns="36921" rIns="73841" bIns="36921" rtlCol="0">
+            <a:spAutoFit/>
+          </a:bodyPr>
+          <a:lstStyle/>
+          <a:p>
+            <a:pPr algn="ctr"/>
+            <a:r>
+              <a:rPr lang="en-US" sz="2500" b="1" dirty="0" smtClean="0">
+                <a:latin typeface="Verdana" pitchFamily="34" charset="0"/>
+              </a:rPr>
+              <a:t>Navigation module:</a:t>
+            </a:r>
+          </a:p>
+          <a:p>
+            <a:pPr algn="ctr"/>
+            <a:r>
+              <a:rPr lang="en-US" sz="2500" dirty="0" smtClean="0">
+                <a:latin typeface="Verdana" pitchFamily="34" charset="0"/>
+              </a:rPr>
+              <a:t>The GPS module allows typical navigation features. This is a screenshot from the </a:t>
+            </a:r>
+            <a:r>
+              <a:rPr lang="en-US" sz="2500" dirty="0" err="1" smtClean="0">
+                <a:latin typeface="Verdana" pitchFamily="34" charset="0"/>
+              </a:rPr>
+              <a:t>Rpi</a:t>
+            </a:r>
+            <a:r>
+              <a:rPr lang="en-US" sz="2500" dirty="0" smtClean="0">
+                <a:latin typeface="Verdana" pitchFamily="34" charset="0"/>
+              </a:rPr>
+              <a:t> showing a map of Portland. The GPS module will be used with the database to show the driver of “pop-ups”</a:t>
+            </a:r>
+          </a:p>
+          <a:p>
+            <a:pPr algn="ctr"/>
+            <a:endParaRPr lang="en-US" sz="5000" dirty="0" smtClean="0">
+              <a:latin typeface="Verdana" pitchFamily="34" charset="0"/>
+            </a:endParaRPr>
+          </a:p>
+        </p:txBody>
+      </p:sp>
+      <p:pic>
+        <p:nvPicPr>
+          <p:cNvPr id="11" name="Picture 10"/>
+          <p:cNvPicPr>
+            <a:picLocks noChangeAspect="1"/>
+          </p:cNvPicPr>
+          <p:nvPr/>
+        </p:nvPicPr>
+        <p:blipFill>
+          <a:blip r:embed="rId7" cstate="print">
+            <a:extLst>
+              <a:ext uri="{28A0092B-C50C-407E-A947-70E740481C1C}">
+                <a14:useLocalDpi xmlns:a14="http://schemas.microsoft.com/office/drawing/2010/main" val="0"/>
+              </a:ext>
+            </a:extLst>
+          </a:blip>
+          <a:stretch>
+            <a:fillRect/>
+          </a:stretch>
+        </p:blipFill>
+        <p:spPr>
+          <a:xfrm>
+            <a:off x="15884333" y="21248035"/>
+            <a:ext cx="9696161" cy="6463920"/>
+          </a:xfrm>
+          <a:prstGeom prst="rect">
+            <a:avLst/>
+          </a:prstGeom>
+        </p:spPr>
+      </p:pic>
+      <p:sp>
+        <p:nvSpPr>
+          <p:cNvPr id="19" name="TextBox 18"/>
+          <p:cNvSpPr txBox="1"/>
+          <p:nvPr/>
+        </p:nvSpPr>
+        <p:spPr>
+          <a:xfrm>
+            <a:off x="25761479" y="22267677"/>
+            <a:ext cx="3657599" cy="4691212"/>
+          </a:xfrm>
+          <a:prstGeom prst="rect">
+            <a:avLst/>
+          </a:prstGeom>
+          <a:noFill/>
+          <a:ln>
+            <a:noFill/>
+          </a:ln>
+        </p:spPr>
+        <p:txBody>
+          <a:bodyPr wrap="square" lIns="73841" tIns="36921" rIns="73841" bIns="36921" rtlCol="0">
+            <a:spAutoFit/>
+          </a:bodyPr>
+          <a:lstStyle/>
+          <a:p>
+            <a:pPr algn="ctr"/>
+            <a:endParaRPr lang="en-US" sz="2500" b="1" dirty="0" smtClean="0">
+              <a:latin typeface="Verdana" pitchFamily="34" charset="0"/>
+            </a:endParaRPr>
+          </a:p>
+          <a:p>
+            <a:pPr algn="ctr"/>
+            <a:r>
+              <a:rPr lang="en-US" sz="2500" b="1" dirty="0" smtClean="0">
+                <a:latin typeface="Verdana" pitchFamily="34" charset="0"/>
+              </a:rPr>
+              <a:t>Back up Camera:</a:t>
+            </a:r>
+          </a:p>
+          <a:p>
+            <a:pPr algn="ctr"/>
+            <a:r>
+              <a:rPr lang="en-US" sz="2500" dirty="0" smtClean="0">
+                <a:latin typeface="Verdana" pitchFamily="34" charset="0"/>
+              </a:rPr>
+              <a:t>Live video footage using a raspberry pi camera module. </a:t>
+            </a:r>
+            <a:r>
+              <a:rPr lang="en-US" sz="2500" dirty="0" smtClean="0">
+                <a:latin typeface="Verdana" pitchFamily="34" charset="0"/>
+              </a:rPr>
+              <a:t>Through the GUI, the user can push the camera button to load up or turn off the camera. The idea is to be an affordable back-up camera.</a:t>
+            </a:r>
+            <a:endParaRPr lang="en-US" sz="5000" dirty="0" smtClean="0">
+              <a:latin typeface="Verdana" pitchFamily="34" charset="0"/>
+            </a:endParaRPr>
+          </a:p>
+        </p:txBody>
+      </p:sp>
+      <p:pic>
+        <p:nvPicPr>
+          <p:cNvPr id="15" name="Picture 14"/>
+          <p:cNvPicPr>
+            <a:picLocks noChangeAspect="1"/>
+          </p:cNvPicPr>
+          <p:nvPr/>
+        </p:nvPicPr>
+        <p:blipFill>
+          <a:blip r:embed="rId8">
+            <a:extLst>
+              <a:ext uri="{28A0092B-C50C-407E-A947-70E740481C1C}">
+                <a14:useLocalDpi xmlns:a14="http://schemas.microsoft.com/office/drawing/2010/main" val="0"/>
+              </a:ext>
+            </a:extLst>
+          </a:blip>
+          <a:stretch>
+            <a:fillRect/>
+          </a:stretch>
+        </p:blipFill>
+        <p:spPr>
+          <a:xfrm>
+            <a:off x="19202400" y="7428235"/>
+            <a:ext cx="9447540" cy="5680000"/>
+          </a:xfrm>
+          <a:prstGeom prst="rect">
+            <a:avLst/>
+          </a:prstGeom>
+        </p:spPr>
+      </p:pic>
+      <p:pic>
+        <p:nvPicPr>
+          <p:cNvPr id="16" name="Picture 15"/>
+          <p:cNvPicPr>
+            <a:picLocks noChangeAspect="1"/>
+          </p:cNvPicPr>
+          <p:nvPr/>
+        </p:nvPicPr>
+        <p:blipFill>
+          <a:blip r:embed="rId9">
+            <a:extLst>
+              <a:ext uri="{28A0092B-C50C-407E-A947-70E740481C1C}">
+                <a14:useLocalDpi xmlns:a14="http://schemas.microsoft.com/office/drawing/2010/main" val="0"/>
+              </a:ext>
+            </a:extLst>
+          </a:blip>
+          <a:stretch>
+            <a:fillRect/>
+          </a:stretch>
+        </p:blipFill>
+        <p:spPr>
+          <a:xfrm>
+            <a:off x="5743871" y="22585718"/>
+            <a:ext cx="7130163" cy="4010717"/>
+          </a:xfrm>
+          <a:prstGeom prst="rect">
+            <a:avLst/>
+          </a:prstGeom>
+        </p:spPr>
+      </p:pic>
+      <p:sp>
+        <p:nvSpPr>
+          <p:cNvPr id="22" name="TextBox 21"/>
+          <p:cNvSpPr txBox="1"/>
+          <p:nvPr/>
+        </p:nvSpPr>
+        <p:spPr>
+          <a:xfrm>
+            <a:off x="36780532" y="11179437"/>
             <a:ext cx="6482054" cy="3921770"/>
           </a:xfrm>
           <a:prstGeom prst="rect">
@@ -3997,7 +4125,254 @@
               <a:rPr lang="en-US" sz="2500" dirty="0" smtClean="0">
                 <a:latin typeface="Verdana" pitchFamily="34" charset="0"/>
               </a:rPr>
-              <a:t>: These three images are screenshots from the GUI. The home page has 3 buttons. The user will swipe left to see the two following pages. The next page displays OBD data from the port. The last page displays the error codes from the OBD port.</a:t>
+              <a:t>: These three images are screenshots from the GUI. The home page has 3 buttons. The user will swipe left to see the two following pages. The next page displays </a:t>
+            </a:r>
+            <a:r>
+              <a:rPr lang="en-US" sz="2500" dirty="0" smtClean="0">
+                <a:latin typeface="Verdana" pitchFamily="34" charset="0"/>
+              </a:rPr>
+              <a:t>car diagnostic</a:t>
+            </a:r>
+            <a:r>
+              <a:rPr lang="en-US" sz="2500" dirty="0" smtClean="0">
+                <a:latin typeface="Verdana" pitchFamily="34" charset="0"/>
+              </a:rPr>
+              <a:t> </a:t>
+            </a:r>
+            <a:r>
+              <a:rPr lang="en-US" sz="2500" dirty="0" smtClean="0">
+                <a:latin typeface="Verdana" pitchFamily="34" charset="0"/>
+              </a:rPr>
+              <a:t>data from the </a:t>
+            </a:r>
+            <a:r>
+              <a:rPr lang="en-US" sz="2500" dirty="0" smtClean="0">
+                <a:latin typeface="Verdana" pitchFamily="34" charset="0"/>
+              </a:rPr>
+              <a:t>OBD port</a:t>
+            </a:r>
+            <a:r>
+              <a:rPr lang="en-US" sz="2500" dirty="0" smtClean="0">
+                <a:latin typeface="Verdana" pitchFamily="34" charset="0"/>
+              </a:rPr>
+              <a:t>. The last page displays the error codes from the OBD port.</a:t>
+            </a:r>
+            <a:endParaRPr lang="en-US" sz="5400" dirty="0">
+              <a:latin typeface="Verdana" pitchFamily="34" charset="0"/>
+            </a:endParaRPr>
+          </a:p>
+          <a:p>
+            <a:endParaRPr lang="en-US" sz="5000" dirty="0" smtClean="0">
+              <a:latin typeface="Verdana" pitchFamily="34" charset="0"/>
+            </a:endParaRPr>
+          </a:p>
+        </p:txBody>
+      </p:sp>
+      <p:sp>
+        <p:nvSpPr>
+          <p:cNvPr id="23" name="TextBox 22"/>
+          <p:cNvSpPr txBox="1"/>
+          <p:nvPr/>
+        </p:nvSpPr>
+        <p:spPr>
+          <a:xfrm>
+            <a:off x="907056" y="22267677"/>
+            <a:ext cx="3657599" cy="4691212"/>
+          </a:xfrm>
+          <a:prstGeom prst="rect">
+            <a:avLst/>
+          </a:prstGeom>
+          <a:noFill/>
+          <a:ln>
+            <a:noFill/>
+          </a:ln>
+        </p:spPr>
+        <p:txBody>
+          <a:bodyPr wrap="square" lIns="73841" tIns="36921" rIns="73841" bIns="36921" rtlCol="0">
+            <a:spAutoFit/>
+          </a:bodyPr>
+          <a:lstStyle/>
+          <a:p>
+            <a:pPr algn="ctr"/>
+            <a:endParaRPr lang="en-US" sz="2500" b="1" strike="sngStrike" dirty="0" smtClean="0">
+              <a:latin typeface="Verdana" pitchFamily="34" charset="0"/>
+            </a:endParaRPr>
+          </a:p>
+          <a:p>
+            <a:pPr algn="ctr"/>
+            <a:r>
+              <a:rPr lang="en-US" sz="2500" b="1" strike="sngStrike" dirty="0" smtClean="0">
+                <a:latin typeface="Verdana" pitchFamily="34" charset="0"/>
+              </a:rPr>
+              <a:t>Back up Camera:</a:t>
+            </a:r>
+          </a:p>
+          <a:p>
+            <a:pPr algn="ctr"/>
+            <a:r>
+              <a:rPr lang="en-US" sz="2500" strike="sngStrike" dirty="0" smtClean="0">
+                <a:latin typeface="Verdana" pitchFamily="34" charset="0"/>
+              </a:rPr>
+              <a:t>Live video footage using a raspberry pi camera module. </a:t>
+            </a:r>
+            <a:r>
+              <a:rPr lang="en-US" sz="2500" strike="sngStrike" dirty="0" smtClean="0">
+                <a:latin typeface="Verdana" pitchFamily="34" charset="0"/>
+              </a:rPr>
+              <a:t>Through the GUI, the user can push the camera button to load up or turn off the camera. The idea is to be an affordable back-up camera</a:t>
+            </a:r>
+            <a:r>
+              <a:rPr lang="en-US" sz="2500" dirty="0" smtClean="0">
+                <a:latin typeface="Verdana" pitchFamily="34" charset="0"/>
+              </a:rPr>
+              <a:t>.</a:t>
+            </a:r>
+            <a:endParaRPr lang="en-US" sz="5000" dirty="0" smtClean="0">
+              <a:latin typeface="Verdana" pitchFamily="34" charset="0"/>
+            </a:endParaRPr>
+          </a:p>
+        </p:txBody>
+      </p:sp>
+      <p:sp>
+        <p:nvSpPr>
+          <p:cNvPr id="24" name="TextBox 23"/>
+          <p:cNvSpPr txBox="1"/>
+          <p:nvPr/>
+        </p:nvSpPr>
+        <p:spPr>
+          <a:xfrm>
+            <a:off x="30932446" y="25849330"/>
+            <a:ext cx="11696171" cy="2767608"/>
+          </a:xfrm>
+          <a:prstGeom prst="rect">
+            <a:avLst/>
+          </a:prstGeom>
+          <a:noFill/>
+          <a:ln>
+            <a:noFill/>
+          </a:ln>
+        </p:spPr>
+        <p:txBody>
+          <a:bodyPr wrap="square" lIns="73841" tIns="36921" rIns="73841" bIns="36921" rtlCol="0">
+            <a:spAutoFit/>
+          </a:bodyPr>
+          <a:lstStyle/>
+          <a:p>
+            <a:pPr algn="ctr"/>
+            <a:r>
+              <a:rPr lang="en-US" sz="2500" b="1" strike="sngStrike" dirty="0" smtClean="0">
+                <a:latin typeface="Verdana" pitchFamily="34" charset="0"/>
+              </a:rPr>
+              <a:t>Graphical User Interface</a:t>
+            </a:r>
+            <a:r>
+              <a:rPr lang="en-US" sz="2500" strike="sngStrike" dirty="0" smtClean="0">
+                <a:latin typeface="Verdana" pitchFamily="34" charset="0"/>
+              </a:rPr>
+              <a:t> </a:t>
+            </a:r>
+            <a:r>
+              <a:rPr lang="en-US" sz="2500" b="1" strike="sngStrike" dirty="0" smtClean="0">
+                <a:latin typeface="Verdana" pitchFamily="34" charset="0"/>
+              </a:rPr>
+              <a:t>(GUI)</a:t>
+            </a:r>
+            <a:r>
+              <a:rPr lang="en-US" sz="2500" strike="sngStrike" dirty="0" smtClean="0">
+                <a:latin typeface="Verdana" pitchFamily="34" charset="0"/>
+              </a:rPr>
+              <a:t>: These three images are screenshots from the GUI. The home page has 3 buttons. The user will swipe left to see the two following pages. The next page displays </a:t>
+            </a:r>
+            <a:r>
+              <a:rPr lang="en-US" sz="2500" strike="sngStrike" dirty="0" smtClean="0">
+                <a:latin typeface="Verdana" pitchFamily="34" charset="0"/>
+              </a:rPr>
+              <a:t>car diagnostic</a:t>
+            </a:r>
+            <a:r>
+              <a:rPr lang="en-US" sz="2500" strike="sngStrike" dirty="0" smtClean="0">
+                <a:latin typeface="Verdana" pitchFamily="34" charset="0"/>
+              </a:rPr>
+              <a:t> </a:t>
+            </a:r>
+            <a:r>
+              <a:rPr lang="en-US" sz="2500" strike="sngStrike" dirty="0" smtClean="0">
+                <a:latin typeface="Verdana" pitchFamily="34" charset="0"/>
+              </a:rPr>
+              <a:t>data from the </a:t>
+            </a:r>
+            <a:r>
+              <a:rPr lang="en-US" sz="2500" strike="sngStrike" dirty="0" smtClean="0">
+                <a:latin typeface="Verdana" pitchFamily="34" charset="0"/>
+              </a:rPr>
+              <a:t>OBD port</a:t>
+            </a:r>
+            <a:r>
+              <a:rPr lang="en-US" sz="2500" strike="sngStrike" dirty="0" smtClean="0">
+                <a:latin typeface="Verdana" pitchFamily="34" charset="0"/>
+              </a:rPr>
+              <a:t>. The last page displays the error codes from the OBD port.</a:t>
+            </a:r>
+            <a:endParaRPr lang="en-US" sz="5400" strike="sngStrike" dirty="0">
+              <a:latin typeface="Verdana" pitchFamily="34" charset="0"/>
+            </a:endParaRPr>
+          </a:p>
+          <a:p>
+            <a:endParaRPr lang="en-US" sz="5000" dirty="0" smtClean="0">
+              <a:latin typeface="Verdana" pitchFamily="34" charset="0"/>
+            </a:endParaRPr>
+          </a:p>
+        </p:txBody>
+      </p:sp>
+      <p:sp>
+        <p:nvSpPr>
+          <p:cNvPr id="25" name="TextBox 24"/>
+          <p:cNvSpPr txBox="1"/>
+          <p:nvPr/>
+        </p:nvSpPr>
+        <p:spPr>
+          <a:xfrm>
+            <a:off x="29848628" y="15658993"/>
+            <a:ext cx="13454743" cy="4598879"/>
+          </a:xfrm>
+          <a:prstGeom prst="rect">
+            <a:avLst/>
+          </a:prstGeom>
+          <a:noFill/>
+          <a:ln>
+            <a:noFill/>
+          </a:ln>
+        </p:spPr>
+        <p:txBody>
+          <a:bodyPr wrap="square" lIns="73841" tIns="36921" rIns="73841" bIns="36921" rtlCol="0">
+            <a:spAutoFit/>
+          </a:bodyPr>
+          <a:lstStyle/>
+          <a:p>
+            <a:r>
+              <a:rPr lang="en-US" sz="4000" u="sng" dirty="0" smtClean="0">
+                <a:latin typeface="Verdana" pitchFamily="34" charset="0"/>
+              </a:rPr>
+              <a:t>FUTURE WORK</a:t>
+            </a:r>
+            <a:endParaRPr lang="en-US" sz="2500" dirty="0">
+              <a:latin typeface="Verdana" pitchFamily="34" charset="0"/>
+            </a:endParaRPr>
+          </a:p>
+          <a:p>
+            <a:r>
+              <a:rPr lang="en-US" sz="2500" dirty="0" smtClean="0">
+                <a:latin typeface="Verdana" pitchFamily="34" charset="0"/>
+              </a:rPr>
+              <a:t>The next steps for this project would be to write to the OBD port. A script would need to read when a button in the car is pushed so that it can be written to. This would allow further advance features such as rolling down the windows, automated windshield wipers, or turning on the headlights all through the Raspberry Pi/ GUI. Another step would be to actively have deals pop up on the GPS on the GUI. </a:t>
+            </a:r>
+          </a:p>
+          <a:p>
+            <a:r>
+              <a:rPr lang="en-US" sz="5400" dirty="0" smtClean="0">
+                <a:latin typeface="Verdana" pitchFamily="34" charset="0"/>
+              </a:rPr>
+              <a:t> </a:t>
             </a:r>
             <a:endParaRPr lang="en-US" sz="5400" dirty="0">
               <a:latin typeface="Verdana" pitchFamily="34" charset="0"/>

--- a/SmartCarCapstone.pptx
+++ b/SmartCarCapstone.pptx
@@ -305,7 +305,7 @@
             <a:fld id="{D9D26CB9-01E4-44B8-8084-BCC418CF4A2D}" type="datetimeFigureOut">
               <a:rPr lang="en-US" smtClean="0"/>
               <a:pPr/>
-              <a:t>5/29/2017</a:t>
+              <a:t>5/30/2017</a:t>
             </a:fld>
             <a:endParaRPr lang="en-US"/>
           </a:p>
@@ -472,7 +472,7 @@
             <a:fld id="{D9D26CB9-01E4-44B8-8084-BCC418CF4A2D}" type="datetimeFigureOut">
               <a:rPr lang="en-US" smtClean="0"/>
               <a:pPr/>
-              <a:t>5/29/2017</a:t>
+              <a:t>5/30/2017</a:t>
             </a:fld>
             <a:endParaRPr lang="en-US"/>
           </a:p>
@@ -649,7 +649,7 @@
             <a:fld id="{D9D26CB9-01E4-44B8-8084-BCC418CF4A2D}" type="datetimeFigureOut">
               <a:rPr lang="en-US" smtClean="0"/>
               <a:pPr/>
-              <a:t>5/29/2017</a:t>
+              <a:t>5/30/2017</a:t>
             </a:fld>
             <a:endParaRPr lang="en-US"/>
           </a:p>
@@ -816,7 +816,7 @@
             <a:fld id="{D9D26CB9-01E4-44B8-8084-BCC418CF4A2D}" type="datetimeFigureOut">
               <a:rPr lang="en-US" smtClean="0"/>
               <a:pPr/>
-              <a:t>5/29/2017</a:t>
+              <a:t>5/30/2017</a:t>
             </a:fld>
             <a:endParaRPr lang="en-US"/>
           </a:p>
@@ -1059,7 +1059,7 @@
             <a:fld id="{D9D26CB9-01E4-44B8-8084-BCC418CF4A2D}" type="datetimeFigureOut">
               <a:rPr lang="en-US" smtClean="0"/>
               <a:pPr/>
-              <a:t>5/29/2017</a:t>
+              <a:t>5/30/2017</a:t>
             </a:fld>
             <a:endParaRPr lang="en-US"/>
           </a:p>
@@ -1344,7 +1344,7 @@
             <a:fld id="{D9D26CB9-01E4-44B8-8084-BCC418CF4A2D}" type="datetimeFigureOut">
               <a:rPr lang="en-US" smtClean="0"/>
               <a:pPr/>
-              <a:t>5/29/2017</a:t>
+              <a:t>5/30/2017</a:t>
             </a:fld>
             <a:endParaRPr lang="en-US"/>
           </a:p>
@@ -1763,7 +1763,7 @@
             <a:fld id="{D9D26CB9-01E4-44B8-8084-BCC418CF4A2D}" type="datetimeFigureOut">
               <a:rPr lang="en-US" smtClean="0"/>
               <a:pPr/>
-              <a:t>5/29/2017</a:t>
+              <a:t>5/30/2017</a:t>
             </a:fld>
             <a:endParaRPr lang="en-US"/>
           </a:p>
@@ -1878,7 +1878,7 @@
             <a:fld id="{D9D26CB9-01E4-44B8-8084-BCC418CF4A2D}" type="datetimeFigureOut">
               <a:rPr lang="en-US" smtClean="0"/>
               <a:pPr/>
-              <a:t>5/29/2017</a:t>
+              <a:t>5/30/2017</a:t>
             </a:fld>
             <a:endParaRPr lang="en-US"/>
           </a:p>
@@ -1970,7 +1970,7 @@
             <a:fld id="{D9D26CB9-01E4-44B8-8084-BCC418CF4A2D}" type="datetimeFigureOut">
               <a:rPr lang="en-US" smtClean="0"/>
               <a:pPr/>
-              <a:t>5/29/2017</a:t>
+              <a:t>5/30/2017</a:t>
             </a:fld>
             <a:endParaRPr lang="en-US"/>
           </a:p>
@@ -2244,7 +2244,7 @@
             <a:fld id="{D9D26CB9-01E4-44B8-8084-BCC418CF4A2D}" type="datetimeFigureOut">
               <a:rPr lang="en-US" smtClean="0"/>
               <a:pPr/>
-              <a:t>5/29/2017</a:t>
+              <a:t>5/30/2017</a:t>
             </a:fld>
             <a:endParaRPr lang="en-US"/>
           </a:p>
@@ -2494,7 +2494,7 @@
             <a:fld id="{D9D26CB9-01E4-44B8-8084-BCC418CF4A2D}" type="datetimeFigureOut">
               <a:rPr lang="en-US" smtClean="0"/>
               <a:pPr/>
-              <a:t>5/29/2017</a:t>
+              <a:t>5/30/2017</a:t>
             </a:fld>
             <a:endParaRPr lang="en-US"/>
           </a:p>
@@ -2704,7 +2704,7 @@
             <a:fld id="{D9D26CB9-01E4-44B8-8084-BCC418CF4A2D}" type="datetimeFigureOut">
               <a:rPr lang="en-US" smtClean="0"/>
               <a:pPr/>
-              <a:t>5/29/2017</a:t>
+              <a:t>5/30/2017</a:t>
             </a:fld>
             <a:endParaRPr lang="en-US"/>
           </a:p>
@@ -3087,7 +3087,7 @@
         </p:nvSpPr>
         <p:spPr>
           <a:xfrm>
-            <a:off x="34679" y="-496345"/>
+            <a:off x="-1" y="0"/>
             <a:ext cx="43891201" cy="28575000"/>
           </a:xfrm>
           <a:solidFill>
@@ -3689,35 +3689,6 @@
           </a:p>
         </p:txBody>
       </p:sp>
-      <p:pic>
-        <p:nvPicPr>
-          <p:cNvPr id="17" name="Picture 16" descr="wafer.gif"/>
-          <p:cNvPicPr>
-            <a:picLocks noChangeAspect="1"/>
-          </p:cNvPicPr>
-          <p:nvPr/>
-        </p:nvPicPr>
-        <p:blipFill>
-          <a:blip r:embed="rId3"/>
-          <a:stretch>
-            <a:fillRect/>
-          </a:stretch>
-        </p:blipFill>
-        <p:spPr>
-          <a:xfrm>
-            <a:off x="30842438" y="19821938"/>
-            <a:ext cx="11644039" cy="5715000"/>
-          </a:xfrm>
-          <a:prstGeom prst="rect">
-            <a:avLst/>
-          </a:prstGeom>
-          <a:ln>
-            <a:solidFill>
-              <a:srgbClr val="00759A"/>
-            </a:solidFill>
-          </a:ln>
-        </p:spPr>
-      </p:pic>
       <p:pic>
         <p:nvPicPr>
           <p:cNvPr id="12" name="Picture 11" descr="wafer.gif"/>
@@ -3911,13 +3882,19 @@
               <a:rPr lang="en-US" sz="2500" dirty="0" err="1" smtClean="0">
                 <a:latin typeface="Verdana" pitchFamily="34" charset="0"/>
               </a:rPr>
-              <a:t>Rpi</a:t>
+              <a:t>RPi</a:t>
             </a:r>
             <a:r>
               <a:rPr lang="en-US" sz="2500" dirty="0" smtClean="0">
                 <a:latin typeface="Verdana" pitchFamily="34" charset="0"/>
               </a:rPr>
-              <a:t> showing a map of Portland. The GPS module will be used with the database to show the driver of “pop-ups”</a:t>
+              <a:t> </a:t>
+            </a:r>
+            <a:r>
+              <a:rPr lang="en-US" sz="2500" dirty="0" smtClean="0">
+                <a:latin typeface="Verdana" pitchFamily="34" charset="0"/>
+              </a:rPr>
+              <a:t>showing a map of Portland. The GPS module will be used with the database to show the driver of “pop-ups”</a:t>
             </a:r>
           </a:p>
           <a:p>
@@ -4003,13 +3980,7 @@
               <a:rPr lang="en-US" sz="2500" dirty="0" smtClean="0">
                 <a:latin typeface="Verdana" pitchFamily="34" charset="0"/>
               </a:rPr>
-              <a:t>Live video footage using a raspberry pi camera module. </a:t>
-            </a:r>
-            <a:r>
-              <a:rPr lang="en-US" sz="2500" dirty="0" smtClean="0">
-                <a:latin typeface="Verdana" pitchFamily="34" charset="0"/>
-              </a:rPr>
-              <a:t>Through the GUI, the user can push the camera button to load up or turn off the camera. The idea is to be an affordable back-up camera.</a:t>
+              <a:t>Live video footage using a raspberry pi camera module. Through the GUI, the user can push the camera button to load up or turn off the camera. The idea is to be an affordable back-up camera.</a:t>
             </a:r>
             <a:endParaRPr lang="en-US" sz="5000" dirty="0" smtClean="0">
               <a:latin typeface="Verdana" pitchFamily="34" charset="0"/>
@@ -4085,7 +4056,7 @@
         </p:nvSpPr>
         <p:spPr>
           <a:xfrm>
-            <a:off x="36780532" y="11179437"/>
+            <a:off x="36666719" y="11184096"/>
             <a:ext cx="6482054" cy="3921770"/>
           </a:xfrm>
           <a:prstGeom prst="rect">
@@ -4125,37 +4096,7 @@
               <a:rPr lang="en-US" sz="2500" dirty="0" smtClean="0">
                 <a:latin typeface="Verdana" pitchFamily="34" charset="0"/>
               </a:rPr>
-              <a:t>: These three images are screenshots from the GUI. The home page has 3 buttons. The user will swipe left to see the two following pages. The next page displays </a:t>
-            </a:r>
-            <a:r>
-              <a:rPr lang="en-US" sz="2500" dirty="0" smtClean="0">
-                <a:latin typeface="Verdana" pitchFamily="34" charset="0"/>
-              </a:rPr>
-              <a:t>car diagnostic</a:t>
-            </a:r>
-            <a:r>
-              <a:rPr lang="en-US" sz="2500" dirty="0" smtClean="0">
-                <a:latin typeface="Verdana" pitchFamily="34" charset="0"/>
-              </a:rPr>
-              <a:t> </a:t>
-            </a:r>
-            <a:r>
-              <a:rPr lang="en-US" sz="2500" dirty="0" smtClean="0">
-                <a:latin typeface="Verdana" pitchFamily="34" charset="0"/>
-              </a:rPr>
-              <a:t>data from the </a:t>
-            </a:r>
-            <a:r>
-              <a:rPr lang="en-US" sz="2500" dirty="0" smtClean="0">
-                <a:latin typeface="Verdana" pitchFamily="34" charset="0"/>
-              </a:rPr>
-              <a:t>OBD port</a:t>
-            </a:r>
-            <a:r>
-              <a:rPr lang="en-US" sz="2500" dirty="0" smtClean="0">
-                <a:latin typeface="Verdana" pitchFamily="34" charset="0"/>
-              </a:rPr>
-              <a:t>. The last page displays the error codes from the OBD port.</a:t>
+              <a:t>: These three images are screenshots from the GUI. The home page has 3 buttons. The user will swipe left to see the two following pages. The next page displays car diagnostic data from the OBD port. The last page displays the error codes from the OBD port.</a:t>
             </a:r>
             <a:endParaRPr lang="en-US" sz="5400" dirty="0">
               <a:latin typeface="Verdana" pitchFamily="34" charset="0"/>
@@ -4213,13 +4154,7 @@
               <a:rPr lang="en-US" sz="2500" strike="sngStrike" dirty="0" smtClean="0">
                 <a:latin typeface="Verdana" pitchFamily="34" charset="0"/>
               </a:rPr>
-              <a:t>Live video footage using a raspberry pi camera module. </a:t>
-            </a:r>
-            <a:r>
-              <a:rPr lang="en-US" sz="2500" strike="sngStrike" dirty="0" smtClean="0">
-                <a:latin typeface="Verdana" pitchFamily="34" charset="0"/>
-              </a:rPr>
-              <a:t>Through the GUI, the user can push the camera button to load up or turn off the camera. The idea is to be an affordable back-up camera</a:t>
+              <a:t>Live video footage using a raspberry pi camera module. Through the GUI, the user can push the camera button to load up or turn off the camera. The idea is to be an affordable back-up camera</a:t>
             </a:r>
             <a:r>
               <a:rPr lang="en-US" sz="2500" dirty="0" smtClean="0">
@@ -4241,8 +4176,8 @@
         </p:nvSpPr>
         <p:spPr>
           <a:xfrm>
-            <a:off x="30932446" y="25849330"/>
-            <a:ext cx="11696171" cy="2767608"/>
+            <a:off x="30335041" y="26319876"/>
+            <a:ext cx="12249875" cy="2382887"/>
           </a:xfrm>
           <a:prstGeom prst="rect">
             <a:avLst/>
@@ -4260,58 +4195,22 @@
           <a:p>
             <a:pPr algn="ctr"/>
             <a:r>
-              <a:rPr lang="en-US" sz="2500" b="1" strike="sngStrike" dirty="0" smtClean="0">
+              <a:rPr lang="en-US" sz="2500" b="1" dirty="0" smtClean="0">
                 <a:latin typeface="Verdana" pitchFamily="34" charset="0"/>
               </a:rPr>
-              <a:t>Graphical User Interface</a:t>
+              <a:t>Firebase Database: </a:t>
             </a:r>
             <a:r>
               <a:rPr lang="en-US" sz="2500" strike="sngStrike" dirty="0" smtClean="0">
                 <a:latin typeface="Verdana" pitchFamily="34" charset="0"/>
               </a:rPr>
-              <a:t> </a:t>
-            </a:r>
-            <a:r>
-              <a:rPr lang="en-US" sz="2500" b="1" strike="sngStrike" dirty="0" smtClean="0">
-                <a:latin typeface="Verdana" pitchFamily="34" charset="0"/>
-              </a:rPr>
-              <a:t>(GUI)</a:t>
+              <a:t>These </a:t>
             </a:r>
             <a:r>
               <a:rPr lang="en-US" sz="2500" strike="sngStrike" dirty="0" smtClean="0">
                 <a:latin typeface="Verdana" pitchFamily="34" charset="0"/>
               </a:rPr>
-              <a:t>: These three images are screenshots from the GUI. The home page has 3 buttons. The user will swipe left to see the two following pages. The next page displays </a:t>
-            </a:r>
-            <a:r>
-              <a:rPr lang="en-US" sz="2500" strike="sngStrike" dirty="0" smtClean="0">
-                <a:latin typeface="Verdana" pitchFamily="34" charset="0"/>
-              </a:rPr>
-              <a:t>car diagnostic</a:t>
-            </a:r>
-            <a:r>
-              <a:rPr lang="en-US" sz="2500" strike="sngStrike" dirty="0" smtClean="0">
-                <a:latin typeface="Verdana" pitchFamily="34" charset="0"/>
-              </a:rPr>
-              <a:t> </a:t>
-            </a:r>
-            <a:r>
-              <a:rPr lang="en-US" sz="2500" strike="sngStrike" dirty="0" smtClean="0">
-                <a:latin typeface="Verdana" pitchFamily="34" charset="0"/>
-              </a:rPr>
-              <a:t>data from the </a:t>
-            </a:r>
-            <a:r>
-              <a:rPr lang="en-US" sz="2500" strike="sngStrike" dirty="0" smtClean="0">
-                <a:latin typeface="Verdana" pitchFamily="34" charset="0"/>
-              </a:rPr>
-              <a:t>OBD port</a:t>
-            </a:r>
-            <a:r>
-              <a:rPr lang="en-US" sz="2500" strike="sngStrike" dirty="0" smtClean="0">
-                <a:latin typeface="Verdana" pitchFamily="34" charset="0"/>
-              </a:rPr>
-              <a:t>. The last page displays the error codes from the OBD port.</a:t>
+              <a:t>three images are screenshots from the GUI. The home page has 3 buttons. The user will swipe left to see the two following pages. The next page displays car diagnostic data from the OBD port. The last page displays the error codes from the OBD port.</a:t>
             </a:r>
             <a:endParaRPr lang="en-US" sz="5400" strike="sngStrike" dirty="0">
               <a:latin typeface="Verdana" pitchFamily="34" charset="0"/>
@@ -4332,7 +4231,7 @@
         </p:nvSpPr>
         <p:spPr>
           <a:xfrm>
-            <a:off x="29848628" y="15658993"/>
+            <a:off x="29848628" y="15276600"/>
             <a:ext cx="13454743" cy="4598879"/>
           </a:xfrm>
           <a:prstGeom prst="rect">
@@ -4385,6 +4284,66 @@
           </a:p>
         </p:txBody>
       </p:sp>
+      <p:pic>
+        <p:nvPicPr>
+          <p:cNvPr id="20" name="Picture 19"/>
+          <p:cNvPicPr>
+            <a:picLocks noChangeAspect="1"/>
+          </p:cNvPicPr>
+          <p:nvPr/>
+        </p:nvPicPr>
+        <p:blipFill>
+          <a:blip r:embed="rId10">
+            <a:extLst>
+              <a:ext uri="{28A0092B-C50C-407E-A947-70E740481C1C}">
+                <a14:useLocalDpi xmlns:a14="http://schemas.microsoft.com/office/drawing/2010/main" val="0"/>
+              </a:ext>
+            </a:extLst>
+          </a:blip>
+          <a:stretch>
+            <a:fillRect/>
+          </a:stretch>
+        </p:blipFill>
+        <p:spPr>
+          <a:xfrm>
+            <a:off x="39495207" y="19189135"/>
+            <a:ext cx="3562847" cy="6681744"/>
+          </a:xfrm>
+          <a:prstGeom prst="rect">
+            <a:avLst/>
+          </a:prstGeom>
+        </p:spPr>
+      </p:pic>
+      <p:pic>
+        <p:nvPicPr>
+          <p:cNvPr id="21" name="Picture 20"/>
+          <p:cNvPicPr>
+            <a:picLocks noChangeAspect="1"/>
+          </p:cNvPicPr>
+          <p:nvPr/>
+        </p:nvPicPr>
+        <p:blipFill>
+          <a:blip r:embed="rId11">
+            <a:extLst>
+              <a:ext uri="{28A0092B-C50C-407E-A947-70E740481C1C}">
+                <a14:useLocalDpi xmlns:a14="http://schemas.microsoft.com/office/drawing/2010/main" val="0"/>
+              </a:ext>
+            </a:extLst>
+          </a:blip>
+          <a:stretch>
+            <a:fillRect/>
+          </a:stretch>
+        </p:blipFill>
+        <p:spPr>
+          <a:xfrm>
+            <a:off x="29998318" y="19189135"/>
+            <a:ext cx="8909059" cy="6641791"/>
+          </a:xfrm>
+          <a:prstGeom prst="rect">
+            <a:avLst/>
+          </a:prstGeom>
+        </p:spPr>
+      </p:pic>
     </p:spTree>
   </p:cSld>
   <p:clrMapOvr>

--- a/SmartCarCapstone.pptx
+++ b/SmartCarCapstone.pptx
@@ -3284,7 +3284,7 @@
         <p:spPr>
           <a:xfrm>
             <a:off x="1416695" y="13652314"/>
-            <a:ext cx="13089154" cy="8615363"/>
+            <a:ext cx="13089154" cy="9000083"/>
           </a:xfrm>
           <a:prstGeom prst="rect">
             <a:avLst/>
@@ -3424,6 +3424,11 @@
               </a:rPr>
               <a:t>Raspberry Pi is preferred “brain” of the device with a GUI (Graphical User Interface) running </a:t>
             </a:r>
+          </a:p>
+          <a:p>
+            <a:endParaRPr lang="en-US" sz="2500" dirty="0" smtClean="0">
+              <a:latin typeface="Verdana" pitchFamily="34" charset="0"/>
+            </a:endParaRPr>
           </a:p>
           <a:p>
             <a:endParaRPr lang="en-US" sz="2500" dirty="0" smtClean="0">
@@ -3689,35 +3694,6 @@
           </a:p>
         </p:txBody>
       </p:sp>
-      <p:pic>
-        <p:nvPicPr>
-          <p:cNvPr id="12" name="Picture 11" descr="wafer.gif"/>
-          <p:cNvPicPr>
-            <a:picLocks noChangeAspect="1"/>
-          </p:cNvPicPr>
-          <p:nvPr/>
-        </p:nvPicPr>
-        <p:blipFill>
-          <a:blip r:embed="rId3"/>
-          <a:stretch>
-            <a:fillRect/>
-          </a:stretch>
-        </p:blipFill>
-        <p:spPr>
-          <a:xfrm>
-            <a:off x="4939206" y="22256705"/>
-            <a:ext cx="8739495" cy="5146770"/>
-          </a:xfrm>
-          <a:prstGeom prst="rect">
-            <a:avLst/>
-          </a:prstGeom>
-          <a:ln>
-            <a:solidFill>
-              <a:srgbClr val="00759A"/>
-            </a:solidFill>
-          </a:ln>
-        </p:spPr>
-      </p:pic>
       <p:pic>
         <p:nvPicPr>
           <p:cNvPr id="14" name="Picture 13" descr="wafer.gif"/>
@@ -3888,13 +3864,7 @@
               <a:rPr lang="en-US" sz="2500" dirty="0" smtClean="0">
                 <a:latin typeface="Verdana" pitchFamily="34" charset="0"/>
               </a:rPr>
-              <a:t> </a:t>
-            </a:r>
-            <a:r>
-              <a:rPr lang="en-US" sz="2500" dirty="0" smtClean="0">
-                <a:latin typeface="Verdana" pitchFamily="34" charset="0"/>
-              </a:rPr>
-              <a:t>showing a map of Portland. The GPS module will be used with the database to show the driver of “pop-ups”</a:t>
+              <a:t> showing a map of Portland. The GPS module will be used with the database to show the driver of “pop-ups”</a:t>
             </a:r>
           </a:p>
           <a:p>
@@ -4018,36 +3988,6 @@
           </a:prstGeom>
         </p:spPr>
       </p:pic>
-      <p:pic>
-        <p:nvPicPr>
-          <p:cNvPr id="16" name="Picture 15"/>
-          <p:cNvPicPr>
-            <a:picLocks noChangeAspect="1"/>
-          </p:cNvPicPr>
-          <p:nvPr/>
-        </p:nvPicPr>
-        <p:blipFill>
-          <a:blip r:embed="rId9">
-            <a:extLst>
-              <a:ext uri="{28A0092B-C50C-407E-A947-70E740481C1C}">
-                <a14:useLocalDpi xmlns:a14="http://schemas.microsoft.com/office/drawing/2010/main" val="0"/>
-              </a:ext>
-            </a:extLst>
-          </a:blip>
-          <a:stretch>
-            <a:fillRect/>
-          </a:stretch>
-        </p:blipFill>
-        <p:spPr>
-          <a:xfrm>
-            <a:off x="5743871" y="22585718"/>
-            <a:ext cx="7130163" cy="4010717"/>
-          </a:xfrm>
-          <a:prstGeom prst="rect">
-            <a:avLst/>
-          </a:prstGeom>
-        </p:spPr>
-      </p:pic>
       <p:sp>
         <p:nvSpPr>
           <p:cNvPr id="22" name="TextBox 21"/>
@@ -4111,14 +4051,14 @@
       </p:sp>
       <p:sp>
         <p:nvSpPr>
-          <p:cNvPr id="23" name="TextBox 22"/>
+          <p:cNvPr id="24" name="TextBox 23"/>
           <p:cNvSpPr txBox="1"/>
           <p:nvPr/>
         </p:nvSpPr>
         <p:spPr>
           <a:xfrm>
-            <a:off x="907056" y="22267677"/>
-            <a:ext cx="3657599" cy="4691212"/>
+            <a:off x="30335041" y="26203879"/>
+            <a:ext cx="12249875" cy="1998167"/>
           </a:xfrm>
           <a:prstGeom prst="rect">
             <a:avLst/>
@@ -4135,65 +4075,6 @@
           <a:lstStyle/>
           <a:p>
             <a:pPr algn="ctr"/>
-            <a:endParaRPr lang="en-US" sz="2500" b="1" strike="sngStrike" dirty="0" smtClean="0">
-              <a:latin typeface="Verdana" pitchFamily="34" charset="0"/>
-            </a:endParaRPr>
-          </a:p>
-          <a:p>
-            <a:pPr algn="ctr"/>
-            <a:r>
-              <a:rPr lang="en-US" sz="2500" b="1" strike="sngStrike" dirty="0" smtClean="0">
-                <a:latin typeface="Verdana" pitchFamily="34" charset="0"/>
-              </a:rPr>
-              <a:t>Back up Camera:</a:t>
-            </a:r>
-          </a:p>
-          <a:p>
-            <a:pPr algn="ctr"/>
-            <a:r>
-              <a:rPr lang="en-US" sz="2500" strike="sngStrike" dirty="0" smtClean="0">
-                <a:latin typeface="Verdana" pitchFamily="34" charset="0"/>
-              </a:rPr>
-              <a:t>Live video footage using a raspberry pi camera module. Through the GUI, the user can push the camera button to load up or turn off the camera. The idea is to be an affordable back-up camera</a:t>
-            </a:r>
-            <a:r>
-              <a:rPr lang="en-US" sz="2500" dirty="0" smtClean="0">
-                <a:latin typeface="Verdana" pitchFamily="34" charset="0"/>
-              </a:rPr>
-              <a:t>.</a:t>
-            </a:r>
-            <a:endParaRPr lang="en-US" sz="5000" dirty="0" smtClean="0">
-              <a:latin typeface="Verdana" pitchFamily="34" charset="0"/>
-            </a:endParaRPr>
-          </a:p>
-        </p:txBody>
-      </p:sp>
-      <p:sp>
-        <p:nvSpPr>
-          <p:cNvPr id="24" name="TextBox 23"/>
-          <p:cNvSpPr txBox="1"/>
-          <p:nvPr/>
-        </p:nvSpPr>
-        <p:spPr>
-          <a:xfrm>
-            <a:off x="30335041" y="26319876"/>
-            <a:ext cx="12249875" cy="2382887"/>
-          </a:xfrm>
-          <a:prstGeom prst="rect">
-            <a:avLst/>
-          </a:prstGeom>
-          <a:noFill/>
-          <a:ln>
-            <a:noFill/>
-          </a:ln>
-        </p:spPr>
-        <p:txBody>
-          <a:bodyPr wrap="square" lIns="73841" tIns="36921" rIns="73841" bIns="36921" rtlCol="0">
-            <a:spAutoFit/>
-          </a:bodyPr>
-          <a:lstStyle/>
-          <a:p>
-            <a:pPr algn="ctr"/>
             <a:r>
               <a:rPr lang="en-US" sz="2500" b="1" dirty="0" smtClean="0">
                 <a:latin typeface="Verdana" pitchFamily="34" charset="0"/>
@@ -4201,23 +4082,10 @@
               <a:t>Firebase Database: </a:t>
             </a:r>
             <a:r>
-              <a:rPr lang="en-US" sz="2500" strike="sngStrike" dirty="0" smtClean="0">
-                <a:latin typeface="Verdana" pitchFamily="34" charset="0"/>
-              </a:rPr>
-              <a:t>These </a:t>
-            </a:r>
-            <a:r>
-              <a:rPr lang="en-US" sz="2500" strike="sngStrike" dirty="0" smtClean="0">
-                <a:latin typeface="Verdana" pitchFamily="34" charset="0"/>
-              </a:rPr>
-              <a:t>three images are screenshots from the GUI. The home page has 3 buttons. The user will swipe left to see the two following pages. The next page displays car diagnostic data from the OBD port. The last page displays the error codes from the OBD port.</a:t>
-            </a:r>
-            <a:endParaRPr lang="en-US" sz="5400" strike="sngStrike" dirty="0">
-              <a:latin typeface="Verdana" pitchFamily="34" charset="0"/>
-            </a:endParaRPr>
-          </a:p>
-          <a:p>
-            <a:endParaRPr lang="en-US" sz="5000" dirty="0" smtClean="0">
+              <a:rPr lang="en-US" sz="2500" dirty="0"/>
+              <a:t>Firebase allows us to easily add and modify location information in a JSON-style database. The data we stored on each location consisted of its latitude, longitude, business type, and the location of its image in the Firebase database. As seen in the screenshots, each location has a unique 6-character ID so that gathering information on a single location is quick and convenient.</a:t>
+            </a:r>
+            <a:endParaRPr lang="en-US" sz="2500" dirty="0" smtClean="0">
               <a:latin typeface="Verdana" pitchFamily="34" charset="0"/>
             </a:endParaRPr>
           </a:p>
@@ -4293,7 +4161,7 @@
           <p:nvPr/>
         </p:nvPicPr>
         <p:blipFill>
-          <a:blip r:embed="rId10">
+          <a:blip r:embed="rId9">
             <a:extLst>
               <a:ext uri="{28A0092B-C50C-407E-A947-70E740481C1C}">
                 <a14:useLocalDpi xmlns:a14="http://schemas.microsoft.com/office/drawing/2010/main" val="0"/>
@@ -4323,7 +4191,7 @@
           <p:nvPr/>
         </p:nvPicPr>
         <p:blipFill>
-          <a:blip r:embed="rId11">
+          <a:blip r:embed="rId10">
             <a:extLst>
               <a:ext uri="{28A0092B-C50C-407E-A947-70E740481C1C}">
                 <a14:useLocalDpi xmlns:a14="http://schemas.microsoft.com/office/drawing/2010/main" val="0"/>
@@ -4338,6 +4206,178 @@
           <a:xfrm>
             <a:off x="29998318" y="19189135"/>
             <a:ext cx="8909059" cy="6641791"/>
+          </a:xfrm>
+          <a:prstGeom prst="rect">
+            <a:avLst/>
+          </a:prstGeom>
+        </p:spPr>
+      </p:pic>
+      <p:pic>
+        <p:nvPicPr>
+          <p:cNvPr id="1026" name="Picture 2" descr="Image result for firebase logo"/>
+          <p:cNvPicPr>
+            <a:picLocks noChangeAspect="1" noChangeArrowheads="1"/>
+          </p:cNvPicPr>
+          <p:nvPr/>
+        </p:nvPicPr>
+        <p:blipFill>
+          <a:blip r:embed="rId11" cstate="print">
+            <a:extLst>
+              <a:ext uri="{28A0092B-C50C-407E-A947-70E740481C1C}">
+                <a14:useLocalDpi xmlns:a14="http://schemas.microsoft.com/office/drawing/2010/main" val="0"/>
+              </a:ext>
+            </a:extLst>
+          </a:blip>
+          <a:srcRect/>
+          <a:stretch>
+            <a:fillRect/>
+          </a:stretch>
+        </p:blipFill>
+        <p:spPr bwMode="auto">
+          <a:xfrm>
+            <a:off x="1051228" y="25512054"/>
+            <a:ext cx="4169996" cy="2137124"/>
+          </a:xfrm>
+          <a:prstGeom prst="rect">
+            <a:avLst/>
+          </a:prstGeom>
+          <a:noFill/>
+          <a:extLst>
+            <a:ext uri="{909E8E84-426E-40DD-AFC4-6F175D3DCCD1}">
+              <a14:hiddenFill xmlns:a14="http://schemas.microsoft.com/office/drawing/2010/main">
+                <a:solidFill>
+                  <a:srgbClr val="FFFFFF"/>
+                </a:solidFill>
+              </a14:hiddenFill>
+            </a:ext>
+          </a:extLst>
+        </p:spPr>
+      </p:pic>
+      <p:pic>
+        <p:nvPicPr>
+          <p:cNvPr id="1032" name="Picture 8" descr="Image result for raspberry pi logo"/>
+          <p:cNvPicPr>
+            <a:picLocks noChangeAspect="1" noChangeArrowheads="1"/>
+          </p:cNvPicPr>
+          <p:nvPr/>
+        </p:nvPicPr>
+        <p:blipFill>
+          <a:blip r:embed="rId12">
+            <a:extLst>
+              <a:ext uri="{28A0092B-C50C-407E-A947-70E740481C1C}">
+                <a14:useLocalDpi xmlns:a14="http://schemas.microsoft.com/office/drawing/2010/main" val="0"/>
+              </a:ext>
+            </a:extLst>
+          </a:blip>
+          <a:srcRect/>
+          <a:stretch>
+            <a:fillRect/>
+          </a:stretch>
+        </p:blipFill>
+        <p:spPr bwMode="auto">
+          <a:xfrm>
+            <a:off x="3825468" y="25049406"/>
+            <a:ext cx="6190986" cy="2923522"/>
+          </a:xfrm>
+          <a:prstGeom prst="rect">
+            <a:avLst/>
+          </a:prstGeom>
+          <a:noFill/>
+          <a:extLst>
+            <a:ext uri="{909E8E84-426E-40DD-AFC4-6F175D3DCCD1}">
+              <a14:hiddenFill xmlns:a14="http://schemas.microsoft.com/office/drawing/2010/main">
+                <a:solidFill>
+                  <a:srgbClr val="FFFFFF"/>
+                </a:solidFill>
+              </a14:hiddenFill>
+            </a:ext>
+          </a:extLst>
+        </p:spPr>
+      </p:pic>
+      <p:pic>
+        <p:nvPicPr>
+          <p:cNvPr id="6" name="Picture 5"/>
+          <p:cNvPicPr>
+            <a:picLocks noChangeAspect="1"/>
+          </p:cNvPicPr>
+          <p:nvPr/>
+        </p:nvPicPr>
+        <p:blipFill>
+          <a:blip r:embed="rId13">
+            <a:extLst>
+              <a:ext uri="{28A0092B-C50C-407E-A947-70E740481C1C}">
+                <a14:useLocalDpi xmlns:a14="http://schemas.microsoft.com/office/drawing/2010/main" val="0"/>
+              </a:ext>
+            </a:extLst>
+          </a:blip>
+          <a:stretch>
+            <a:fillRect/>
+          </a:stretch>
+        </p:blipFill>
+        <p:spPr>
+          <a:xfrm>
+            <a:off x="9440847" y="25401311"/>
+            <a:ext cx="4495734" cy="2247867"/>
+          </a:xfrm>
+          <a:prstGeom prst="rect">
+            <a:avLst/>
+          </a:prstGeom>
+        </p:spPr>
+      </p:pic>
+      <p:pic>
+        <p:nvPicPr>
+          <p:cNvPr id="17" name="Picture 16"/>
+          <p:cNvPicPr>
+            <a:picLocks noChangeAspect="1"/>
+          </p:cNvPicPr>
+          <p:nvPr/>
+        </p:nvPicPr>
+        <p:blipFill>
+          <a:blip r:embed="rId14">
+            <a:extLst>
+              <a:ext uri="{28A0092B-C50C-407E-A947-70E740481C1C}">
+                <a14:useLocalDpi xmlns:a14="http://schemas.microsoft.com/office/drawing/2010/main" val="0"/>
+              </a:ext>
+            </a:extLst>
+          </a:blip>
+          <a:stretch>
+            <a:fillRect/>
+          </a:stretch>
+        </p:blipFill>
+        <p:spPr>
+          <a:xfrm>
+            <a:off x="10310369" y="22413114"/>
+            <a:ext cx="2857315" cy="2857315"/>
+          </a:xfrm>
+          <a:prstGeom prst="rect">
+            <a:avLst/>
+          </a:prstGeom>
+        </p:spPr>
+      </p:pic>
+      <p:pic>
+        <p:nvPicPr>
+          <p:cNvPr id="26" name="Picture 25"/>
+          <p:cNvPicPr>
+            <a:picLocks noChangeAspect="1"/>
+          </p:cNvPicPr>
+          <p:nvPr/>
+        </p:nvPicPr>
+        <p:blipFill>
+          <a:blip r:embed="rId15">
+            <a:extLst>
+              <a:ext uri="{28A0092B-C50C-407E-A947-70E740481C1C}">
+                <a14:useLocalDpi xmlns:a14="http://schemas.microsoft.com/office/drawing/2010/main" val="0"/>
+              </a:ext>
+            </a:extLst>
+          </a:blip>
+          <a:stretch>
+            <a:fillRect/>
+          </a:stretch>
+        </p:blipFill>
+        <p:spPr>
+          <a:xfrm>
+            <a:off x="1482175" y="22943483"/>
+            <a:ext cx="7105220" cy="1776305"/>
           </a:xfrm>
           <a:prstGeom prst="rect">
             <a:avLst/>

--- a/SmartCarCapstone.pptx
+++ b/SmartCarCapstone.pptx
@@ -106,7 +106,7 @@
   </p:defaultTextStyle>
   <p:extLst>
     <p:ext uri="{EFAFB233-063F-42B5-8137-9DF3F51BA10A}">
-      <p15:sldGuideLst xmlns:p15="http://schemas.microsoft.com/office/powerpoint/2012/main">
+      <p15:sldGuideLst xmlns:p15="http://schemas.microsoft.com/office/powerpoint/2012/main" xmlns="">
         <p15:guide id="1" orient="horz" pos="10368">
           <p15:clr>
             <a:srgbClr val="A4A3A4"/>
@@ -305,7 +305,7 @@
             <a:fld id="{D9D26CB9-01E4-44B8-8084-BCC418CF4A2D}" type="datetimeFigureOut">
               <a:rPr lang="en-US" smtClean="0"/>
               <a:pPr/>
-              <a:t>5/30/2017</a:t>
+              <a:t>5/30/17</a:t>
             </a:fld>
             <a:endParaRPr lang="en-US"/>
           </a:p>
@@ -472,7 +472,7 @@
             <a:fld id="{D9D26CB9-01E4-44B8-8084-BCC418CF4A2D}" type="datetimeFigureOut">
               <a:rPr lang="en-US" smtClean="0"/>
               <a:pPr/>
-              <a:t>5/30/2017</a:t>
+              <a:t>5/30/17</a:t>
             </a:fld>
             <a:endParaRPr lang="en-US"/>
           </a:p>
@@ -649,7 +649,7 @@
             <a:fld id="{D9D26CB9-01E4-44B8-8084-BCC418CF4A2D}" type="datetimeFigureOut">
               <a:rPr lang="en-US" smtClean="0"/>
               <a:pPr/>
-              <a:t>5/30/2017</a:t>
+              <a:t>5/30/17</a:t>
             </a:fld>
             <a:endParaRPr lang="en-US"/>
           </a:p>
@@ -816,7 +816,7 @@
             <a:fld id="{D9D26CB9-01E4-44B8-8084-BCC418CF4A2D}" type="datetimeFigureOut">
               <a:rPr lang="en-US" smtClean="0"/>
               <a:pPr/>
-              <a:t>5/30/2017</a:t>
+              <a:t>5/30/17</a:t>
             </a:fld>
             <a:endParaRPr lang="en-US"/>
           </a:p>
@@ -1059,7 +1059,7 @@
             <a:fld id="{D9D26CB9-01E4-44B8-8084-BCC418CF4A2D}" type="datetimeFigureOut">
               <a:rPr lang="en-US" smtClean="0"/>
               <a:pPr/>
-              <a:t>5/30/2017</a:t>
+              <a:t>5/30/17</a:t>
             </a:fld>
             <a:endParaRPr lang="en-US"/>
           </a:p>
@@ -1344,7 +1344,7 @@
             <a:fld id="{D9D26CB9-01E4-44B8-8084-BCC418CF4A2D}" type="datetimeFigureOut">
               <a:rPr lang="en-US" smtClean="0"/>
               <a:pPr/>
-              <a:t>5/30/2017</a:t>
+              <a:t>5/30/17</a:t>
             </a:fld>
             <a:endParaRPr lang="en-US"/>
           </a:p>
@@ -1763,7 +1763,7 @@
             <a:fld id="{D9D26CB9-01E4-44B8-8084-BCC418CF4A2D}" type="datetimeFigureOut">
               <a:rPr lang="en-US" smtClean="0"/>
               <a:pPr/>
-              <a:t>5/30/2017</a:t>
+              <a:t>5/30/17</a:t>
             </a:fld>
             <a:endParaRPr lang="en-US"/>
           </a:p>
@@ -1878,7 +1878,7 @@
             <a:fld id="{D9D26CB9-01E4-44B8-8084-BCC418CF4A2D}" type="datetimeFigureOut">
               <a:rPr lang="en-US" smtClean="0"/>
               <a:pPr/>
-              <a:t>5/30/2017</a:t>
+              <a:t>5/30/17</a:t>
             </a:fld>
             <a:endParaRPr lang="en-US"/>
           </a:p>
@@ -1970,7 +1970,7 @@
             <a:fld id="{D9D26CB9-01E4-44B8-8084-BCC418CF4A2D}" type="datetimeFigureOut">
               <a:rPr lang="en-US" smtClean="0"/>
               <a:pPr/>
-              <a:t>5/30/2017</a:t>
+              <a:t>5/30/17</a:t>
             </a:fld>
             <a:endParaRPr lang="en-US"/>
           </a:p>
@@ -2244,7 +2244,7 @@
             <a:fld id="{D9D26CB9-01E4-44B8-8084-BCC418CF4A2D}" type="datetimeFigureOut">
               <a:rPr lang="en-US" smtClean="0"/>
               <a:pPr/>
-              <a:t>5/30/2017</a:t>
+              <a:t>5/30/17</a:t>
             </a:fld>
             <a:endParaRPr lang="en-US"/>
           </a:p>
@@ -2494,7 +2494,7 @@
             <a:fld id="{D9D26CB9-01E4-44B8-8084-BCC418CF4A2D}" type="datetimeFigureOut">
               <a:rPr lang="en-US" smtClean="0"/>
               <a:pPr/>
-              <a:t>5/30/2017</a:t>
+              <a:t>5/30/17</a:t>
             </a:fld>
             <a:endParaRPr lang="en-US"/>
           </a:p>
@@ -2704,7 +2704,7 @@
             <a:fld id="{D9D26CB9-01E4-44B8-8084-BCC418CF4A2D}" type="datetimeFigureOut">
               <a:rPr lang="en-US" smtClean="0"/>
               <a:pPr/>
-              <a:t>5/30/2017</a:t>
+              <a:t>5/30/17</a:t>
             </a:fld>
             <a:endParaRPr lang="en-US"/>
           </a:p>
@@ -3111,10 +3111,19 @@
               </a:rPr>
               <a:t> </a:t>
             </a:r>
+            <a:r>
+              <a:rPr lang="en-US" sz="2500" dirty="0" smtClean="0">
+                <a:solidFill>
+                  <a:schemeClr val="tx1"/>
+                </a:solidFill>
+              </a:rPr>
+              <a:t>`</a:t>
+            </a:r>
             <a:endParaRPr lang="en-US" sz="2500" dirty="0">
               <a:solidFill>
                 <a:schemeClr val="tx1"/>
               </a:solidFill>
+              <a:latin typeface="Verdana" pitchFamily="34" charset="0"/>
             </a:endParaRPr>
           </a:p>
         </p:txBody>
@@ -3182,7 +3191,7 @@
         <p:spPr>
           <a:xfrm>
             <a:off x="15509782" y="13978640"/>
-            <a:ext cx="13454743" cy="7892088"/>
+            <a:ext cx="13454743" cy="8261419"/>
           </a:xfrm>
           <a:prstGeom prst="rect">
             <a:avLst/>
@@ -3218,57 +3227,267 @@
               <a:rPr lang="en-US" sz="2500" dirty="0" smtClean="0">
                 <a:latin typeface="Verdana" pitchFamily="34" charset="0"/>
               </a:rPr>
-              <a:t>A raspberry pi 3 is used as the “brain” of the device. A camera module is attached for the backup camera addition and a GPS module is added for mapping capabilities. There is an OBD port cable that connects to the raspberry pi as well as a 7” touchscreen LCD display. The LCD will display the OBD data as well as the camera and GPS modules.</a:t>
+              <a:t>A </a:t>
+            </a:r>
+            <a:r>
+              <a:rPr lang="en-US" sz="2500" dirty="0" smtClean="0">
+                <a:latin typeface="Verdana" pitchFamily="34" charset="0"/>
+              </a:rPr>
+              <a:t>Raspberry </a:t>
+            </a:r>
+            <a:r>
+              <a:rPr lang="en-US" sz="2500" dirty="0">
+                <a:latin typeface="Verdana" pitchFamily="34" charset="0"/>
+              </a:rPr>
+              <a:t>P</a:t>
+            </a:r>
+            <a:r>
+              <a:rPr lang="en-US" sz="2500" dirty="0" smtClean="0">
+                <a:latin typeface="Verdana" pitchFamily="34" charset="0"/>
+              </a:rPr>
+              <a:t>i </a:t>
+            </a:r>
+            <a:r>
+              <a:rPr lang="en-US" sz="2500" dirty="0" smtClean="0">
+                <a:latin typeface="Verdana" pitchFamily="34" charset="0"/>
+              </a:rPr>
+              <a:t>3 is used as the “brain” of the device. A camera module is attached for the backup camera </a:t>
+            </a:r>
+            <a:r>
+              <a:rPr lang="en-US" sz="2500" dirty="0" smtClean="0">
+                <a:latin typeface="Verdana" pitchFamily="34" charset="0"/>
+              </a:rPr>
+              <a:t>and </a:t>
+            </a:r>
+            <a:r>
+              <a:rPr lang="en-US" sz="2500" dirty="0" smtClean="0">
+                <a:latin typeface="Verdana" pitchFamily="34" charset="0"/>
+              </a:rPr>
+              <a:t>a GPS module </a:t>
+            </a:r>
+            <a:r>
+              <a:rPr lang="en-US" sz="2500" dirty="0" smtClean="0">
+                <a:latin typeface="Verdana" pitchFamily="34" charset="0"/>
+              </a:rPr>
+              <a:t>is used for navigation capabilities</a:t>
+            </a:r>
+            <a:r>
+              <a:rPr lang="en-US" sz="2500" dirty="0" smtClean="0">
+                <a:latin typeface="Verdana" pitchFamily="34" charset="0"/>
+              </a:rPr>
+              <a:t>. </a:t>
+            </a:r>
+            <a:r>
+              <a:rPr lang="en-US" sz="2500" dirty="0" smtClean="0">
+                <a:latin typeface="Verdana" pitchFamily="34" charset="0"/>
+              </a:rPr>
+              <a:t>An OBD </a:t>
+            </a:r>
+            <a:r>
+              <a:rPr lang="en-US" sz="2500" dirty="0" smtClean="0">
+                <a:latin typeface="Verdana" pitchFamily="34" charset="0"/>
+              </a:rPr>
+              <a:t>port </a:t>
+            </a:r>
+            <a:r>
+              <a:rPr lang="en-US" sz="2500" dirty="0" smtClean="0">
+                <a:latin typeface="Verdana" pitchFamily="34" charset="0"/>
+              </a:rPr>
+              <a:t>cable sends car data to </a:t>
+            </a:r>
+            <a:r>
+              <a:rPr lang="en-US" sz="2500" dirty="0" smtClean="0">
+                <a:latin typeface="Verdana" pitchFamily="34" charset="0"/>
+              </a:rPr>
+              <a:t>the raspberry pi </a:t>
+            </a:r>
+            <a:r>
+              <a:rPr lang="en-US" sz="2500" dirty="0" smtClean="0">
+                <a:latin typeface="Verdana" pitchFamily="34" charset="0"/>
+              </a:rPr>
+              <a:t>with</a:t>
+            </a:r>
+            <a:r>
+              <a:rPr lang="en-US" sz="2500" dirty="0" smtClean="0">
+                <a:latin typeface="Verdana" pitchFamily="34" charset="0"/>
+              </a:rPr>
+              <a:t> </a:t>
+            </a:r>
+            <a:r>
+              <a:rPr lang="en-US" sz="2500" dirty="0" smtClean="0">
+                <a:latin typeface="Verdana" pitchFamily="34" charset="0"/>
+              </a:rPr>
+              <a:t>7” touchscreen </a:t>
+            </a:r>
+            <a:r>
+              <a:rPr lang="en-US" sz="2500" dirty="0" smtClean="0">
+                <a:latin typeface="Verdana" pitchFamily="34" charset="0"/>
+              </a:rPr>
+              <a:t>LCD. </a:t>
+            </a:r>
+            <a:r>
+              <a:rPr lang="en-US" sz="2500" dirty="0" smtClean="0">
+                <a:latin typeface="Verdana" pitchFamily="34" charset="0"/>
+              </a:rPr>
+              <a:t>The </a:t>
+            </a:r>
+            <a:r>
+              <a:rPr lang="en-US" sz="2500" dirty="0" smtClean="0">
+                <a:latin typeface="Verdana" pitchFamily="34" charset="0"/>
+              </a:rPr>
+              <a:t>LCD will display </a:t>
+            </a:r>
+            <a:r>
+              <a:rPr lang="en-US" sz="2500" dirty="0" smtClean="0">
+                <a:latin typeface="Verdana" pitchFamily="34" charset="0"/>
+              </a:rPr>
+              <a:t>the OBD </a:t>
+            </a:r>
+            <a:r>
+              <a:rPr lang="en-US" sz="2500" dirty="0" smtClean="0">
+                <a:latin typeface="Verdana" pitchFamily="34" charset="0"/>
+              </a:rPr>
+              <a:t>data, camera </a:t>
+            </a:r>
+            <a:r>
+              <a:rPr lang="en-US" sz="2500" dirty="0" smtClean="0">
+                <a:latin typeface="Verdana" pitchFamily="34" charset="0"/>
+              </a:rPr>
+              <a:t>and GPS </a:t>
+            </a:r>
+            <a:r>
+              <a:rPr lang="en-US" sz="2500" dirty="0" smtClean="0">
+                <a:latin typeface="Verdana" pitchFamily="34" charset="0"/>
+              </a:rPr>
+              <a:t>Navigation map</a:t>
+            </a:r>
+            <a:r>
+              <a:rPr lang="en-US" sz="2500" dirty="0" smtClean="0">
+                <a:latin typeface="Verdana" pitchFamily="34" charset="0"/>
+              </a:rPr>
+              <a:t>. We used an ELM327 based OBD to USB adaptor to establish a serial connection with the car’s CAN bus. We used the Raspberry Pi 3’s built in Wi-Fi capabilities to connect to a hotspot for an internet connection on the road. </a:t>
             </a:r>
             <a:endParaRPr lang="en-US" sz="2500" dirty="0">
               <a:latin typeface="Verdana" pitchFamily="34" charset="0"/>
             </a:endParaRPr>
           </a:p>
           <a:p>
+            <a:endParaRPr lang="en-US" sz="2800" dirty="0">
+              <a:latin typeface="Verdana" pitchFamily="34" charset="0"/>
+            </a:endParaRPr>
+          </a:p>
+          <a:p>
+            <a:r>
+              <a:rPr lang="en-US" sz="3000" dirty="0" smtClean="0">
+                <a:latin typeface="Verdana" pitchFamily="34" charset="0"/>
+              </a:rPr>
+              <a:t>Software:</a:t>
+            </a:r>
+          </a:p>
+          <a:p>
+            <a:r>
+              <a:rPr lang="en-US" sz="2500" dirty="0" smtClean="0">
+                <a:latin typeface="Verdana" pitchFamily="34" charset="0"/>
+              </a:rPr>
+              <a:t>The script to read data from the car’s OBD port is written in Python. We used an open source library (</a:t>
+            </a:r>
+            <a:r>
+              <a:rPr lang="en-US" sz="2500" dirty="0" err="1">
+                <a:latin typeface="Verdana" pitchFamily="34" charset="0"/>
+              </a:rPr>
+              <a:t>p</a:t>
+            </a:r>
+            <a:r>
+              <a:rPr lang="en-US" sz="2500" dirty="0" err="1" smtClean="0">
+                <a:latin typeface="Verdana" pitchFamily="34" charset="0"/>
+              </a:rPr>
+              <a:t>ySerial</a:t>
+            </a:r>
+            <a:r>
+              <a:rPr lang="en-US" sz="2500" dirty="0" smtClean="0">
+                <a:latin typeface="Verdana" pitchFamily="34" charset="0"/>
+              </a:rPr>
+              <a:t>) to establish the serial connection. </a:t>
+            </a:r>
+            <a:r>
+              <a:rPr lang="en-US" sz="2500" dirty="0" smtClean="0">
+                <a:latin typeface="Verdana" pitchFamily="34" charset="0"/>
+              </a:rPr>
+              <a:t>Firebase is used to control the </a:t>
+            </a:r>
+            <a:r>
+              <a:rPr lang="en-US" sz="2500" dirty="0" smtClean="0">
+                <a:latin typeface="Verdana" pitchFamily="34" charset="0"/>
+              </a:rPr>
+              <a:t>database, </a:t>
+            </a:r>
+            <a:r>
+              <a:rPr lang="en-US" sz="2500" dirty="0" smtClean="0">
+                <a:latin typeface="Verdana" pitchFamily="34" charset="0"/>
+              </a:rPr>
+              <a:t>where companies can </a:t>
+            </a:r>
+            <a:r>
+              <a:rPr lang="en-US" sz="2500" dirty="0" smtClean="0">
+                <a:latin typeface="Verdana" pitchFamily="34" charset="0"/>
+              </a:rPr>
+              <a:t>advertise </a:t>
+            </a:r>
+            <a:r>
+              <a:rPr lang="en-US" sz="2500" dirty="0" smtClean="0">
+                <a:latin typeface="Verdana" pitchFamily="34" charset="0"/>
+              </a:rPr>
+              <a:t>onto </a:t>
+            </a:r>
+            <a:r>
+              <a:rPr lang="en-US" sz="2500" dirty="0" smtClean="0">
+                <a:latin typeface="Verdana" pitchFamily="34" charset="0"/>
+              </a:rPr>
+              <a:t>the GPS module. </a:t>
+            </a:r>
+            <a:r>
+              <a:rPr lang="en-US" sz="2500" dirty="0" err="1">
+                <a:latin typeface="Verdana" pitchFamily="34" charset="0"/>
+              </a:rPr>
+              <a:t>K</a:t>
+            </a:r>
+            <a:r>
+              <a:rPr lang="en-US" sz="2500" dirty="0" err="1" smtClean="0">
+                <a:latin typeface="Verdana" pitchFamily="34" charset="0"/>
+              </a:rPr>
+              <a:t>ivy</a:t>
+            </a:r>
+            <a:r>
+              <a:rPr lang="en-US" sz="2500" dirty="0" smtClean="0">
+                <a:latin typeface="Verdana" pitchFamily="34" charset="0"/>
+              </a:rPr>
+              <a:t> was used for the </a:t>
+            </a:r>
+            <a:r>
+              <a:rPr lang="en-US" sz="2500" dirty="0" smtClean="0">
+                <a:latin typeface="Verdana" pitchFamily="34" charset="0"/>
+              </a:rPr>
+              <a:t>GUI, which will </a:t>
+            </a:r>
+            <a:r>
+              <a:rPr lang="en-US" sz="2500" dirty="0" smtClean="0">
+                <a:latin typeface="Verdana" pitchFamily="34" charset="0"/>
+              </a:rPr>
+              <a:t>display the OBD data, GPS, and camera modules. The GUI also will have full touchscreen capabilities. </a:t>
+            </a:r>
+          </a:p>
+          <a:p>
+            <a:r>
+              <a:rPr lang="en-US" sz="5400" dirty="0" smtClean="0">
+                <a:latin typeface="Verdana" pitchFamily="34" charset="0"/>
+              </a:rPr>
+              <a:t> </a:t>
+            </a:r>
             <a:endParaRPr lang="en-US" sz="5400" dirty="0">
               <a:latin typeface="Verdana" pitchFamily="34" charset="0"/>
             </a:endParaRPr>
           </a:p>
           <a:p>
-            <a:r>
-              <a:rPr lang="en-US" sz="3000" dirty="0" smtClean="0">
-                <a:latin typeface="Verdana" pitchFamily="34" charset="0"/>
-              </a:rPr>
-              <a:t>Software:</a:t>
-            </a:r>
-          </a:p>
-          <a:p>
-            <a:r>
-              <a:rPr lang="en-US" sz="2500" dirty="0" smtClean="0">
-                <a:latin typeface="Verdana" pitchFamily="34" charset="0"/>
-              </a:rPr>
-              <a:t>Written in Python, the main scripts allows to read and write from and to the OBD port. Firebase is used to control the database where companies can put their information up onto the GPS module. </a:t>
-            </a:r>
-            <a:r>
-              <a:rPr lang="en-US" sz="2500" dirty="0" err="1" smtClean="0">
-                <a:latin typeface="Verdana" pitchFamily="34" charset="0"/>
-              </a:rPr>
-              <a:t>Kivy</a:t>
-            </a:r>
-            <a:r>
-              <a:rPr lang="en-US" sz="2500" dirty="0" smtClean="0">
-                <a:latin typeface="Verdana" pitchFamily="34" charset="0"/>
-              </a:rPr>
-              <a:t> is used in pair with Python to script the GUI. The GUI will display the OBD data, GPS, and camera modules. The GUI also will have full touchscreen capabilities. </a:t>
-            </a:r>
-          </a:p>
-          <a:p>
-            <a:r>
-              <a:rPr lang="en-US" sz="5400" dirty="0" smtClean="0">
-                <a:latin typeface="Verdana" pitchFamily="34" charset="0"/>
-              </a:rPr>
-              <a:t> </a:t>
-            </a:r>
-            <a:endParaRPr lang="en-US" sz="5400" dirty="0">
-              <a:latin typeface="Verdana" pitchFamily="34" charset="0"/>
-            </a:endParaRPr>
-          </a:p>
-          <a:p>
             <a:endParaRPr lang="en-US" sz="5000" dirty="0" smtClean="0">
               <a:latin typeface="Verdana" pitchFamily="34" charset="0"/>
             </a:endParaRPr>
@@ -3283,8 +3502,8 @@
         </p:nvSpPr>
         <p:spPr>
           <a:xfrm>
-            <a:off x="1416695" y="13652314"/>
-            <a:ext cx="13089154" cy="9000083"/>
+            <a:off x="1371600" y="14401800"/>
+            <a:ext cx="13089154" cy="9769525"/>
           </a:xfrm>
           <a:prstGeom prst="rect">
             <a:avLst/>
@@ -3315,15 +3534,134 @@
               <a:rPr lang="en-US" sz="2500" dirty="0" smtClean="0">
                 <a:latin typeface="Verdana" pitchFamily="34" charset="0"/>
               </a:rPr>
-              <a:t>Smart devices are the focus for current technology. From smart phones to smart TVs, smart cars are now the next big thing. There are currently devices that connect to a car’s OBD (On-Board Diagnostic) port to access data but are missing other smart features. Many of these devices depend on a smart phone as the display. This capstone’s goal is to create a device that will be able to access and display important car data without the use of a smartphone.</a:t>
-            </a:r>
-          </a:p>
-          <a:p>
-            <a:endParaRPr lang="en-US" sz="2500" dirty="0">
-              <a:latin typeface="Verdana" pitchFamily="34" charset="0"/>
-            </a:endParaRPr>
-          </a:p>
-          <a:p>
+              <a:t>Smart devices are </a:t>
+            </a:r>
+            <a:r>
+              <a:rPr lang="en-US" sz="2500" dirty="0" smtClean="0">
+                <a:latin typeface="Verdana" pitchFamily="34" charset="0"/>
+              </a:rPr>
+              <a:t>a major </a:t>
+            </a:r>
+            <a:r>
+              <a:rPr lang="en-US" sz="2500" dirty="0" smtClean="0">
+                <a:latin typeface="Verdana" pitchFamily="34" charset="0"/>
+              </a:rPr>
+              <a:t>focus of current </a:t>
+            </a:r>
+            <a:r>
+              <a:rPr lang="en-US" sz="2500" dirty="0" smtClean="0">
+                <a:latin typeface="Verdana" pitchFamily="34" charset="0"/>
+              </a:rPr>
+              <a:t>technology. </a:t>
+            </a:r>
+            <a:r>
+              <a:rPr lang="en-US" sz="2500" dirty="0" smtClean="0">
+                <a:latin typeface="Verdana" pitchFamily="34" charset="0"/>
+              </a:rPr>
+              <a:t>Our goal is to make a standalone device that turns an older model car into a ‘</a:t>
+            </a:r>
+            <a:r>
+              <a:rPr lang="en-US" sz="2500" dirty="0" smtClean="0">
+                <a:latin typeface="Verdana" pitchFamily="34" charset="0"/>
+              </a:rPr>
+              <a:t>Smart Car.’ </a:t>
+            </a:r>
+            <a:r>
+              <a:rPr lang="en-US" sz="2500" dirty="0" smtClean="0">
+                <a:latin typeface="Verdana" pitchFamily="34" charset="0"/>
+              </a:rPr>
+              <a:t>There </a:t>
+            </a:r>
+            <a:r>
+              <a:rPr lang="en-US" sz="2500" dirty="0" smtClean="0">
+                <a:latin typeface="Verdana" pitchFamily="34" charset="0"/>
+              </a:rPr>
+              <a:t>are currently </a:t>
+            </a:r>
+            <a:r>
+              <a:rPr lang="en-US" sz="2500" dirty="0" smtClean="0">
+                <a:latin typeface="Verdana" pitchFamily="34" charset="0"/>
+              </a:rPr>
+              <a:t>applications that use </a:t>
+            </a:r>
+            <a:r>
+              <a:rPr lang="en-US" sz="2500" dirty="0">
+                <a:latin typeface="Verdana" pitchFamily="34" charset="0"/>
+              </a:rPr>
+              <a:t>a </a:t>
+            </a:r>
+            <a:r>
+              <a:rPr lang="en-US" sz="2500" dirty="0" smtClean="0">
+                <a:latin typeface="Verdana" pitchFamily="34" charset="0"/>
+              </a:rPr>
+              <a:t>OBD (</a:t>
+            </a:r>
+            <a:r>
+              <a:rPr lang="en-US" sz="2500" dirty="0">
+                <a:latin typeface="Verdana" pitchFamily="34" charset="0"/>
+              </a:rPr>
+              <a:t>On-Board Diagnostic</a:t>
+            </a:r>
+            <a:r>
+              <a:rPr lang="en-US" sz="2500" dirty="0" smtClean="0">
+                <a:latin typeface="Verdana" pitchFamily="34" charset="0"/>
+              </a:rPr>
+              <a:t>) </a:t>
+            </a:r>
+            <a:r>
+              <a:rPr lang="en-US" sz="2500" dirty="0" smtClean="0">
+                <a:latin typeface="Verdana" pitchFamily="34" charset="0"/>
+              </a:rPr>
+              <a:t>connection to </a:t>
+            </a:r>
+            <a:r>
+              <a:rPr lang="en-US" sz="2500" dirty="0" smtClean="0">
+                <a:latin typeface="Verdana" pitchFamily="34" charset="0"/>
+              </a:rPr>
+              <a:t>access </a:t>
+            </a:r>
+            <a:r>
+              <a:rPr lang="en-US" sz="2500" dirty="0" smtClean="0">
+                <a:latin typeface="Verdana" pitchFamily="34" charset="0"/>
+              </a:rPr>
+              <a:t>data from the car, </a:t>
+            </a:r>
+            <a:r>
+              <a:rPr lang="en-US" sz="2500" dirty="0" smtClean="0">
+                <a:latin typeface="Verdana" pitchFamily="34" charset="0"/>
+              </a:rPr>
+              <a:t>but </a:t>
+            </a:r>
+            <a:r>
+              <a:rPr lang="en-US" sz="2500" dirty="0" smtClean="0">
+                <a:latin typeface="Verdana" pitchFamily="34" charset="0"/>
+              </a:rPr>
+              <a:t>most are missing additional smart features. </a:t>
+            </a:r>
+            <a:r>
+              <a:rPr lang="en-US" sz="2500" dirty="0" smtClean="0">
+                <a:latin typeface="Verdana" pitchFamily="34" charset="0"/>
+              </a:rPr>
+              <a:t>Many of these devices depend on a smart phone as the display. This capstone’s goal is to </a:t>
+            </a:r>
+            <a:r>
+              <a:rPr lang="en-US" sz="2500" dirty="0" smtClean="0">
+                <a:latin typeface="Verdana" pitchFamily="34" charset="0"/>
+              </a:rPr>
+              <a:t>make a </a:t>
+            </a:r>
+            <a:r>
+              <a:rPr lang="en-US" sz="2500" dirty="0" smtClean="0">
+                <a:latin typeface="Verdana" pitchFamily="34" charset="0"/>
+              </a:rPr>
+              <a:t>device that will be able to access and display important car </a:t>
+            </a:r>
+            <a:r>
+              <a:rPr lang="en-US" sz="2500" dirty="0" smtClean="0">
+                <a:latin typeface="Verdana" pitchFamily="34" charset="0"/>
+              </a:rPr>
+              <a:t>data, have GPS and camera capabilities, a database of local businesses, and the potential for additional features.</a:t>
+            </a:r>
             <a:endParaRPr lang="en-US" sz="2500" dirty="0">
               <a:latin typeface="Verdana" pitchFamily="34" charset="0"/>
             </a:endParaRPr>
@@ -3410,7 +3748,13 @@
               <a:rPr lang="en-US" sz="2500" dirty="0">
                 <a:latin typeface="Verdana" pitchFamily="34" charset="0"/>
               </a:rPr>
-              <a:t>Device works with a car model date of 1996 or later</a:t>
+              <a:t>Device works with a car model date of 1996 or </a:t>
+            </a:r>
+            <a:r>
+              <a:rPr lang="en-US" sz="2500" dirty="0" smtClean="0">
+                <a:latin typeface="Verdana" pitchFamily="34" charset="0"/>
+              </a:rPr>
+              <a:t>later</a:t>
             </a:r>
           </a:p>
           <a:p>
@@ -3419,11 +3763,41 @@
               <a:buChar char="•"/>
             </a:pPr>
             <a:r>
+              <a:rPr lang="en-US" sz="2500" dirty="0" smtClean="0">
+                <a:latin typeface="Verdana" pitchFamily="34" charset="0"/>
+              </a:rPr>
+              <a:t>Control interior accessories through the GUI</a:t>
+            </a:r>
+            <a:endParaRPr lang="en-US" sz="2500" dirty="0">
+              <a:latin typeface="Verdana" pitchFamily="34" charset="0"/>
+            </a:endParaRPr>
+          </a:p>
+          <a:p>
+            <a:pPr marL="685800" indent="-685800">
+              <a:buFont typeface="Arial" panose="020B0604020202020204" pitchFamily="34" charset="0"/>
+              <a:buChar char="•"/>
+            </a:pPr>
+            <a:r>
               <a:rPr lang="en-US" sz="2500" dirty="0">
                 <a:latin typeface="Verdana" pitchFamily="34" charset="0"/>
               </a:rPr>
-              <a:t>Raspberry Pi is preferred “brain” of the device with a GUI (Graphical User Interface) running </a:t>
-            </a:r>
+              <a:t>Raspberry Pi is preferred “brain” of the device with a GUI (Graphical User Interface) </a:t>
+            </a:r>
+            <a:r>
+              <a:rPr lang="en-US" sz="2500" dirty="0" smtClean="0">
+                <a:latin typeface="Verdana" pitchFamily="34" charset="0"/>
+              </a:rPr>
+              <a:t>running</a:t>
+            </a:r>
+          </a:p>
+          <a:p>
+            <a:pPr marL="685800" indent="-685800">
+              <a:buFont typeface="Arial" panose="020B0604020202020204" pitchFamily="34" charset="0"/>
+              <a:buChar char="•"/>
+            </a:pPr>
+            <a:endParaRPr lang="en-US" sz="2500" dirty="0">
+              <a:latin typeface="Verdana" pitchFamily="34" charset="0"/>
+            </a:endParaRPr>
           </a:p>
           <a:p>
             <a:endParaRPr lang="en-US" sz="2500" dirty="0" smtClean="0">
@@ -3696,22 +4070,28 @@
       </p:sp>
       <p:pic>
         <p:nvPicPr>
-          <p:cNvPr id="14" name="Picture 13" descr="wafer.gif"/>
+          <p:cNvPr id="14" name="Picture 13"/>
           <p:cNvPicPr>
             <a:picLocks noChangeAspect="1"/>
           </p:cNvPicPr>
           <p:nvPr/>
         </p:nvPicPr>
         <p:blipFill>
-          <a:blip r:embed="rId3"/>
+          <a:blip r:embed="rId3" cstate="print">
+            <a:extLst>
+              <a:ext uri="{28A0092B-C50C-407E-A947-70E740481C1C}">
+                <a14:useLocalDpi xmlns:a14="http://schemas.microsoft.com/office/drawing/2010/main" val="0"/>
+              </a:ext>
+            </a:extLst>
+          </a:blip>
           <a:stretch>
             <a:fillRect/>
           </a:stretch>
         </p:blipFill>
         <p:spPr>
           <a:xfrm>
-            <a:off x="2526068" y="7393235"/>
-            <a:ext cx="10207408" cy="5715000"/>
+            <a:off x="2971800" y="6932365"/>
+            <a:ext cx="9200535" cy="7026002"/>
           </a:xfrm>
           <a:prstGeom prst="rect">
             <a:avLst/>
@@ -3822,7 +4202,7 @@
         <p:spPr>
           <a:xfrm>
             <a:off x="15509782" y="7672984"/>
-            <a:ext cx="3415260" cy="5845374"/>
+            <a:ext cx="3415260" cy="6230094"/>
           </a:xfrm>
           <a:prstGeom prst="rect">
             <a:avLst/>
@@ -3864,7 +4244,43 @@
               <a:rPr lang="en-US" sz="2500" dirty="0" smtClean="0">
                 <a:latin typeface="Verdana" pitchFamily="34" charset="0"/>
               </a:rPr>
-              <a:t> showing a map of Portland. The GPS module will be used with the database to show the driver of “pop-ups”</a:t>
+              <a:t> showing a </a:t>
+            </a:r>
+            <a:r>
+              <a:rPr lang="en-US" sz="2500" dirty="0" smtClean="0">
+                <a:latin typeface="Verdana" pitchFamily="34" charset="0"/>
+              </a:rPr>
+              <a:t>map (using </a:t>
+            </a:r>
+            <a:r>
+              <a:rPr lang="en-US" sz="2500" dirty="0" err="1" smtClean="0">
+                <a:latin typeface="Verdana" pitchFamily="34" charset="0"/>
+              </a:rPr>
+              <a:t>Navit</a:t>
+            </a:r>
+            <a:r>
+              <a:rPr lang="en-US" sz="2500" dirty="0" smtClean="0">
+                <a:latin typeface="Verdana" pitchFamily="34" charset="0"/>
+              </a:rPr>
+              <a:t>) </a:t>
+            </a:r>
+            <a:r>
+              <a:rPr lang="en-US" sz="2500" dirty="0" smtClean="0">
+                <a:latin typeface="Verdana" pitchFamily="34" charset="0"/>
+              </a:rPr>
+              <a:t>of Portland. The GPS module will be used with the database to show the </a:t>
+            </a:r>
+            <a:r>
+              <a:rPr lang="en-US" sz="2500" dirty="0" smtClean="0">
+                <a:latin typeface="Verdana" pitchFamily="34" charset="0"/>
+              </a:rPr>
+              <a:t>driver </a:t>
+            </a:r>
+            <a:r>
+              <a:rPr lang="en-US" sz="2500" dirty="0" smtClean="0">
+                <a:latin typeface="Verdana" pitchFamily="34" charset="0"/>
+              </a:rPr>
+              <a:t>“pop-ups”</a:t>
             </a:r>
           </a:p>
           <a:p>
@@ -4036,7 +4452,19 @@
               <a:rPr lang="en-US" sz="2500" dirty="0" smtClean="0">
                 <a:latin typeface="Verdana" pitchFamily="34" charset="0"/>
               </a:rPr>
-              <a:t>: These three images are screenshots from the GUI. The home page has 3 buttons. The user will swipe left to see the two following pages. The next page displays car diagnostic data from the OBD port. The last page displays the error codes from the OBD port.</a:t>
+              <a:t>: These three images are screenshots from the GUI. The home page has 3 buttons. The user </a:t>
+            </a:r>
+            <a:r>
+              <a:rPr lang="en-US" sz="2500" dirty="0" smtClean="0">
+                <a:latin typeface="Verdana" pitchFamily="34" charset="0"/>
+              </a:rPr>
+              <a:t>can swipe </a:t>
+            </a:r>
+            <a:r>
+              <a:rPr lang="en-US" sz="2500" dirty="0" smtClean="0">
+                <a:latin typeface="Verdana" pitchFamily="34" charset="0"/>
+              </a:rPr>
+              <a:t>left to see the two following pages. The next page displays car diagnostic data from the OBD port. The last page displays the error codes from the OBD port.</a:t>
             </a:r>
             <a:endParaRPr lang="en-US" sz="5400" dirty="0">
               <a:latin typeface="Verdana" pitchFamily="34" charset="0"/>
@@ -4057,8 +4485,8 @@
         </p:nvSpPr>
         <p:spPr>
           <a:xfrm>
-            <a:off x="30335041" y="26203879"/>
-            <a:ext cx="12249875" cy="1998167"/>
+            <a:off x="30327600" y="25908000"/>
+            <a:ext cx="12249875" cy="2382887"/>
           </a:xfrm>
           <a:prstGeom prst="rect">
             <a:avLst/>
@@ -4082,11 +4510,43 @@
               <a:t>Firebase Database: </a:t>
             </a:r>
             <a:r>
-              <a:rPr lang="en-US" sz="2500" dirty="0"/>
-              <a:t>Firebase allows us to easily add and modify location information in a JSON-style database. The data we stored on each location consisted of its latitude, longitude, business type, and the location of its image in the Firebase database. As seen in the screenshots, each location has a unique 6-character ID so that gathering information on a single location is quick and convenient.</a:t>
+              <a:rPr lang="en-US" sz="2500" dirty="0">
+                <a:latin typeface="Verdana"/>
+                <a:cs typeface="Verdana"/>
+              </a:rPr>
+              <a:t>Firebase allows us to easily add and modify location information in a JSON-style database. The data we stored on each location </a:t>
+            </a:r>
+            <a:r>
+              <a:rPr lang="en-US" sz="2500" dirty="0" smtClean="0">
+                <a:latin typeface="Verdana"/>
+                <a:cs typeface="Verdana"/>
+              </a:rPr>
+              <a:t>consists </a:t>
+            </a:r>
+            <a:r>
+              <a:rPr lang="en-US" sz="2500" dirty="0">
+                <a:latin typeface="Verdana"/>
+                <a:cs typeface="Verdana"/>
+              </a:rPr>
+              <a:t>of its latitude, longitude, business type, and the location of its image in the Firebase database. As seen in the screenshots, each location has a </a:t>
+            </a:r>
+            <a:r>
+              <a:rPr lang="en-US" sz="2500" dirty="0">
+                <a:latin typeface="Verdana"/>
+                <a:cs typeface="Verdana"/>
+              </a:rPr>
+              <a:t>unique</a:t>
+            </a:r>
+            <a:r>
+              <a:rPr lang="en-US" sz="2500" dirty="0">
+                <a:latin typeface="Verdana"/>
+                <a:cs typeface="Verdana"/>
+              </a:rPr>
+              <a:t> 6-character ID so that gathering information on a single location is quick and convenient.</a:t>
             </a:r>
             <a:endParaRPr lang="en-US" sz="2500" dirty="0" smtClean="0">
-              <a:latin typeface="Verdana" pitchFamily="34" charset="0"/>
+              <a:latin typeface="Verdana"/>
+              <a:cs typeface="Verdana"/>
             </a:endParaRPr>
           </a:p>
         </p:txBody>
@@ -4100,7 +4560,7 @@
         <p:spPr>
           <a:xfrm>
             <a:off x="29848628" y="15276600"/>
-            <a:ext cx="13454743" cy="4598879"/>
+            <a:ext cx="13454743" cy="3829437"/>
           </a:xfrm>
           <a:prstGeom prst="rect">
             <a:avLst/>
@@ -4131,8 +4591,53 @@
               <a:rPr lang="en-US" sz="2500" dirty="0" smtClean="0">
                 <a:latin typeface="Verdana" pitchFamily="34" charset="0"/>
               </a:rPr>
-              <a:t>The next steps for this project would be to write to the OBD port. A script would need to read when a button in the car is pushed so that it can be written to. This would allow further advance features such as rolling down the windows, automated windshield wipers, or turning on the headlights all through the Raspberry Pi/ GUI. Another step would be to actively have deals pop up on the GPS on the GUI. </a:t>
-            </a:r>
+              <a:t>The next steps for this project would be to write to the OBD </a:t>
+            </a:r>
+            <a:r>
+              <a:rPr lang="en-US" sz="2500" dirty="0" smtClean="0">
+                <a:latin typeface="Verdana" pitchFamily="34" charset="0"/>
+              </a:rPr>
+              <a:t>port. </a:t>
+            </a:r>
+            <a:r>
+              <a:rPr lang="en-US" sz="2500" dirty="0" smtClean="0">
+                <a:latin typeface="Verdana" pitchFamily="34" charset="0"/>
+              </a:rPr>
+              <a:t>This would allow further </a:t>
+            </a:r>
+            <a:r>
+              <a:rPr lang="en-US" sz="2500" dirty="0" smtClean="0">
+                <a:latin typeface="Verdana" pitchFamily="34" charset="0"/>
+              </a:rPr>
+              <a:t>advanced </a:t>
+            </a:r>
+            <a:r>
+              <a:rPr lang="en-US" sz="2500" dirty="0" smtClean="0">
+                <a:latin typeface="Verdana" pitchFamily="34" charset="0"/>
+              </a:rPr>
+              <a:t>features such as rolling down the windows, </a:t>
+            </a:r>
+            <a:r>
+              <a:rPr lang="en-US" sz="2500" dirty="0" smtClean="0">
+                <a:latin typeface="Verdana" pitchFamily="34" charset="0"/>
+              </a:rPr>
+              <a:t>automatic </a:t>
+            </a:r>
+            <a:r>
+              <a:rPr lang="en-US" sz="2500" dirty="0" smtClean="0">
+                <a:latin typeface="Verdana" pitchFamily="34" charset="0"/>
+              </a:rPr>
+              <a:t>windshield wipers, or turning on the headlights all through the Raspberry Pi/ GUI. Another step would be to actively have deals pop up on the </a:t>
+            </a:r>
+            <a:r>
+              <a:rPr lang="en-US" sz="2500" dirty="0" smtClean="0">
+                <a:latin typeface="Verdana" pitchFamily="34" charset="0"/>
+              </a:rPr>
+              <a:t>GPS. </a:t>
+            </a:r>
+            <a:endParaRPr lang="en-US" sz="2500" dirty="0" smtClean="0">
+              <a:latin typeface="Verdana" pitchFamily="34" charset="0"/>
+            </a:endParaRPr>
           </a:p>
           <a:p>
             <a:r>
@@ -4174,7 +4679,7 @@
         </p:blipFill>
         <p:spPr>
           <a:xfrm>
-            <a:off x="39495207" y="19189135"/>
+            <a:off x="39495207" y="18745200"/>
             <a:ext cx="3562847" cy="6681744"/>
           </a:xfrm>
           <a:prstGeom prst="rect">
@@ -4204,7 +4709,7 @@
         </p:blipFill>
         <p:spPr>
           <a:xfrm>
-            <a:off x="29998318" y="19189135"/>
+            <a:off x="29998318" y="18745200"/>
             <a:ext cx="8909059" cy="6641791"/>
           </a:xfrm>
           <a:prstGeom prst="rect">
@@ -4243,7 +4748,7 @@
           </a:prstGeom>
           <a:noFill/>
           <a:extLst>
-            <a:ext uri="{909E8E84-426E-40DD-AFC4-6F175D3DCCD1}">
+            <a:ext uri="{909E8E84-426E-40dd-AFC4-6F175D3DCCD1}">
               <a14:hiddenFill xmlns:a14="http://schemas.microsoft.com/office/drawing/2010/main">
                 <a:solidFill>
                   <a:srgbClr val="FFFFFF"/>
@@ -4284,7 +4789,7 @@
           </a:prstGeom>
           <a:noFill/>
           <a:extLst>
-            <a:ext uri="{909E8E84-426E-40DD-AFC4-6F175D3DCCD1}">
+            <a:ext uri="{909E8E84-426E-40dd-AFC4-6F175D3DCCD1}">
               <a14:hiddenFill xmlns:a14="http://schemas.microsoft.com/office/drawing/2010/main">
                 <a:solidFill>
                   <a:srgbClr val="FFFFFF"/>
@@ -4376,7 +4881,7 @@
         </p:blipFill>
         <p:spPr>
           <a:xfrm>
-            <a:off x="1482175" y="22943483"/>
+            <a:off x="1447800" y="23164800"/>
             <a:ext cx="7105220" cy="1776305"/>
           </a:xfrm>
           <a:prstGeom prst="rect">
@@ -4389,6 +4894,13 @@
   <p:clrMapOvr>
     <a:masterClrMapping/>
   </p:clrMapOvr>
+  <p:timing>
+    <p:tnLst>
+      <p:par>
+        <p:cTn xmlns:p14="http://schemas.microsoft.com/office/powerpoint/2010/main" id="1" dur="indefinite" restart="never" nodeType="tmRoot"/>
+      </p:par>
+    </p:tnLst>
+  </p:timing>
 </p:sld>
 </file>
 

--- a/SmartCarCapstone.pptx
+++ b/SmartCarCapstone.pptx
@@ -106,7 +106,7 @@
   </p:defaultTextStyle>
   <p:extLst>
     <p:ext uri="{EFAFB233-063F-42B5-8137-9DF3F51BA10A}">
-      <p15:sldGuideLst xmlns:p15="http://schemas.microsoft.com/office/powerpoint/2012/main" xmlns="">
+      <p15:sldGuideLst xmlns:p15="http://schemas.microsoft.com/office/powerpoint/2012/main">
         <p15:guide id="1" orient="horz" pos="10368">
           <p15:clr>
             <a:srgbClr val="A4A3A4"/>
@@ -305,7 +305,7 @@
             <a:fld id="{D9D26CB9-01E4-44B8-8084-BCC418CF4A2D}" type="datetimeFigureOut">
               <a:rPr lang="en-US" smtClean="0"/>
               <a:pPr/>
-              <a:t>5/30/17</a:t>
+              <a:t>5/30/2017</a:t>
             </a:fld>
             <a:endParaRPr lang="en-US"/>
           </a:p>
@@ -472,7 +472,7 @@
             <a:fld id="{D9D26CB9-01E4-44B8-8084-BCC418CF4A2D}" type="datetimeFigureOut">
               <a:rPr lang="en-US" smtClean="0"/>
               <a:pPr/>
-              <a:t>5/30/17</a:t>
+              <a:t>5/30/2017</a:t>
             </a:fld>
             <a:endParaRPr lang="en-US"/>
           </a:p>
@@ -649,7 +649,7 @@
             <a:fld id="{D9D26CB9-01E4-44B8-8084-BCC418CF4A2D}" type="datetimeFigureOut">
               <a:rPr lang="en-US" smtClean="0"/>
               <a:pPr/>
-              <a:t>5/30/17</a:t>
+              <a:t>5/30/2017</a:t>
             </a:fld>
             <a:endParaRPr lang="en-US"/>
           </a:p>
@@ -816,7 +816,7 @@
             <a:fld id="{D9D26CB9-01E4-44B8-8084-BCC418CF4A2D}" type="datetimeFigureOut">
               <a:rPr lang="en-US" smtClean="0"/>
               <a:pPr/>
-              <a:t>5/30/17</a:t>
+              <a:t>5/30/2017</a:t>
             </a:fld>
             <a:endParaRPr lang="en-US"/>
           </a:p>
@@ -1059,7 +1059,7 @@
             <a:fld id="{D9D26CB9-01E4-44B8-8084-BCC418CF4A2D}" type="datetimeFigureOut">
               <a:rPr lang="en-US" smtClean="0"/>
               <a:pPr/>
-              <a:t>5/30/17</a:t>
+              <a:t>5/30/2017</a:t>
             </a:fld>
             <a:endParaRPr lang="en-US"/>
           </a:p>
@@ -1344,7 +1344,7 @@
             <a:fld id="{D9D26CB9-01E4-44B8-8084-BCC418CF4A2D}" type="datetimeFigureOut">
               <a:rPr lang="en-US" smtClean="0"/>
               <a:pPr/>
-              <a:t>5/30/17</a:t>
+              <a:t>5/30/2017</a:t>
             </a:fld>
             <a:endParaRPr lang="en-US"/>
           </a:p>
@@ -1763,7 +1763,7 @@
             <a:fld id="{D9D26CB9-01E4-44B8-8084-BCC418CF4A2D}" type="datetimeFigureOut">
               <a:rPr lang="en-US" smtClean="0"/>
               <a:pPr/>
-              <a:t>5/30/17</a:t>
+              <a:t>5/30/2017</a:t>
             </a:fld>
             <a:endParaRPr lang="en-US"/>
           </a:p>
@@ -1878,7 +1878,7 @@
             <a:fld id="{D9D26CB9-01E4-44B8-8084-BCC418CF4A2D}" type="datetimeFigureOut">
               <a:rPr lang="en-US" smtClean="0"/>
               <a:pPr/>
-              <a:t>5/30/17</a:t>
+              <a:t>5/30/2017</a:t>
             </a:fld>
             <a:endParaRPr lang="en-US"/>
           </a:p>
@@ -1970,7 +1970,7 @@
             <a:fld id="{D9D26CB9-01E4-44B8-8084-BCC418CF4A2D}" type="datetimeFigureOut">
               <a:rPr lang="en-US" smtClean="0"/>
               <a:pPr/>
-              <a:t>5/30/17</a:t>
+              <a:t>5/30/2017</a:t>
             </a:fld>
             <a:endParaRPr lang="en-US"/>
           </a:p>
@@ -2244,7 +2244,7 @@
             <a:fld id="{D9D26CB9-01E4-44B8-8084-BCC418CF4A2D}" type="datetimeFigureOut">
               <a:rPr lang="en-US" smtClean="0"/>
               <a:pPr/>
-              <a:t>5/30/17</a:t>
+              <a:t>5/30/2017</a:t>
             </a:fld>
             <a:endParaRPr lang="en-US"/>
           </a:p>
@@ -2494,7 +2494,7 @@
             <a:fld id="{D9D26CB9-01E4-44B8-8084-BCC418CF4A2D}" type="datetimeFigureOut">
               <a:rPr lang="en-US" smtClean="0"/>
               <a:pPr/>
-              <a:t>5/30/17</a:t>
+              <a:t>5/30/2017</a:t>
             </a:fld>
             <a:endParaRPr lang="en-US"/>
           </a:p>
@@ -2704,7 +2704,7 @@
             <a:fld id="{D9D26CB9-01E4-44B8-8084-BCC418CF4A2D}" type="datetimeFigureOut">
               <a:rPr lang="en-US" smtClean="0"/>
               <a:pPr/>
-              <a:t>5/30/17</a:t>
+              <a:t>5/30/2017</a:t>
             </a:fld>
             <a:endParaRPr lang="en-US"/>
           </a:p>
@@ -3109,15 +3109,7 @@
                   <a:schemeClr val="tx1"/>
                 </a:solidFill>
               </a:rPr>
-              <a:t> </a:t>
-            </a:r>
-            <a:r>
-              <a:rPr lang="en-US" sz="2500" dirty="0" smtClean="0">
-                <a:solidFill>
-                  <a:schemeClr val="tx1"/>
-                </a:solidFill>
-              </a:rPr>
-              <a:t>`</a:t>
+              <a:t> `</a:t>
             </a:r>
             <a:endParaRPr lang="en-US" sz="2500" dirty="0">
               <a:solidFill>
@@ -3190,8 +3182,8 @@
         </p:nvSpPr>
         <p:spPr>
           <a:xfrm>
-            <a:off x="15509782" y="13978640"/>
-            <a:ext cx="13454743" cy="8261419"/>
+            <a:off x="14249401" y="13533489"/>
+            <a:ext cx="14050650" cy="9677192"/>
           </a:xfrm>
           <a:prstGeom prst="rect">
             <a:avLst/>
@@ -3216,7 +3208,7 @@
           </a:p>
           <a:p>
             <a:r>
-              <a:rPr lang="en-US" sz="3000" dirty="0" smtClean="0">
+              <a:rPr lang="en-US" sz="3200" dirty="0" smtClean="0">
                 <a:latin typeface="Verdana" pitchFamily="34" charset="0"/>
               </a:rPr>
               <a:t>Hardware:</a:t>
@@ -3224,161 +3216,47 @@
           </a:p>
           <a:p>
             <a:r>
-              <a:rPr lang="en-US" sz="2500" dirty="0" smtClean="0">
-                <a:latin typeface="Verdana" pitchFamily="34" charset="0"/>
-              </a:rPr>
-              <a:t>A </a:t>
-            </a:r>
-            <a:r>
-              <a:rPr lang="en-US" sz="2500" dirty="0" smtClean="0">
-                <a:latin typeface="Verdana" pitchFamily="34" charset="0"/>
-              </a:rPr>
-              <a:t>Raspberry </a:t>
-            </a:r>
-            <a:r>
-              <a:rPr lang="en-US" sz="2500" dirty="0">
+              <a:rPr lang="en-US" sz="3200" dirty="0" smtClean="0">
+                <a:latin typeface="Verdana" pitchFamily="34" charset="0"/>
+              </a:rPr>
+              <a:t>A Raspberry </a:t>
+            </a:r>
+            <a:r>
+              <a:rPr lang="en-US" sz="3200" dirty="0">
                 <a:latin typeface="Verdana" pitchFamily="34" charset="0"/>
               </a:rPr>
               <a:t>P</a:t>
             </a:r>
             <a:r>
-              <a:rPr lang="en-US" sz="2500" dirty="0" smtClean="0">
-                <a:latin typeface="Verdana" pitchFamily="34" charset="0"/>
-              </a:rPr>
-              <a:t>i </a:t>
-            </a:r>
-            <a:r>
-              <a:rPr lang="en-US" sz="2500" dirty="0" smtClean="0">
-                <a:latin typeface="Verdana" pitchFamily="34" charset="0"/>
-              </a:rPr>
-              <a:t>3 is used as the “brain” of the device. A camera module is attached for the backup camera </a:t>
-            </a:r>
-            <a:r>
-              <a:rPr lang="en-US" sz="2500" dirty="0" smtClean="0">
-                <a:latin typeface="Verdana" pitchFamily="34" charset="0"/>
-              </a:rPr>
-              <a:t>and </a:t>
-            </a:r>
-            <a:r>
-              <a:rPr lang="en-US" sz="2500" dirty="0" smtClean="0">
-                <a:latin typeface="Verdana" pitchFamily="34" charset="0"/>
-              </a:rPr>
-              <a:t>a GPS module </a:t>
-            </a:r>
-            <a:r>
-              <a:rPr lang="en-US" sz="2500" dirty="0" smtClean="0">
-                <a:latin typeface="Verdana" pitchFamily="34" charset="0"/>
-              </a:rPr>
-              <a:t>is used for navigation capabilities</a:t>
-            </a:r>
-            <a:r>
-              <a:rPr lang="en-US" sz="2500" dirty="0" smtClean="0">
-                <a:latin typeface="Verdana" pitchFamily="34" charset="0"/>
-              </a:rPr>
-              <a:t>. </a:t>
-            </a:r>
-            <a:r>
-              <a:rPr lang="en-US" sz="2500" dirty="0" smtClean="0">
-                <a:latin typeface="Verdana" pitchFamily="34" charset="0"/>
-              </a:rPr>
-              <a:t>An OBD </a:t>
-            </a:r>
-            <a:r>
-              <a:rPr lang="en-US" sz="2500" dirty="0" smtClean="0">
-                <a:latin typeface="Verdana" pitchFamily="34" charset="0"/>
-              </a:rPr>
-              <a:t>port </a:t>
-            </a:r>
-            <a:r>
-              <a:rPr lang="en-US" sz="2500" dirty="0" smtClean="0">
-                <a:latin typeface="Verdana" pitchFamily="34" charset="0"/>
-              </a:rPr>
-              <a:t>cable sends car data to </a:t>
-            </a:r>
-            <a:r>
-              <a:rPr lang="en-US" sz="2500" dirty="0" smtClean="0">
-                <a:latin typeface="Verdana" pitchFamily="34" charset="0"/>
-              </a:rPr>
-              <a:t>the raspberry pi </a:t>
-            </a:r>
-            <a:r>
-              <a:rPr lang="en-US" sz="2500" dirty="0" smtClean="0">
-                <a:latin typeface="Verdana" pitchFamily="34" charset="0"/>
-              </a:rPr>
-              <a:t>with</a:t>
-            </a:r>
-            <a:r>
-              <a:rPr lang="en-US" sz="2500" dirty="0" smtClean="0">
-                <a:latin typeface="Verdana" pitchFamily="34" charset="0"/>
-              </a:rPr>
-              <a:t> </a:t>
-            </a:r>
-            <a:r>
-              <a:rPr lang="en-US" sz="2500" dirty="0" smtClean="0">
-                <a:latin typeface="Verdana" pitchFamily="34" charset="0"/>
-              </a:rPr>
-              <a:t>7” touchscreen </a:t>
-            </a:r>
-            <a:r>
-              <a:rPr lang="en-US" sz="2500" dirty="0" smtClean="0">
-                <a:latin typeface="Verdana" pitchFamily="34" charset="0"/>
-              </a:rPr>
-              <a:t>LCD. </a:t>
-            </a:r>
-            <a:r>
-              <a:rPr lang="en-US" sz="2500" dirty="0" smtClean="0">
-                <a:latin typeface="Verdana" pitchFamily="34" charset="0"/>
-              </a:rPr>
-              <a:t>The </a:t>
-            </a:r>
-            <a:r>
-              <a:rPr lang="en-US" sz="2500" dirty="0" smtClean="0">
-                <a:latin typeface="Verdana" pitchFamily="34" charset="0"/>
-              </a:rPr>
-              <a:t>LCD will display </a:t>
-            </a:r>
-            <a:r>
-              <a:rPr lang="en-US" sz="2500" dirty="0" smtClean="0">
-                <a:latin typeface="Verdana" pitchFamily="34" charset="0"/>
-              </a:rPr>
-              <a:t>the OBD </a:t>
-            </a:r>
-            <a:r>
-              <a:rPr lang="en-US" sz="2500" dirty="0" smtClean="0">
-                <a:latin typeface="Verdana" pitchFamily="34" charset="0"/>
-              </a:rPr>
-              <a:t>data, camera </a:t>
-            </a:r>
-            <a:r>
-              <a:rPr lang="en-US" sz="2500" dirty="0" smtClean="0">
-                <a:latin typeface="Verdana" pitchFamily="34" charset="0"/>
-              </a:rPr>
-              <a:t>and GPS </a:t>
-            </a:r>
-            <a:r>
-              <a:rPr lang="en-US" sz="2500" dirty="0" smtClean="0">
-                <a:latin typeface="Verdana" pitchFamily="34" charset="0"/>
-              </a:rPr>
-              <a:t>Navigation map</a:t>
-            </a:r>
-            <a:r>
-              <a:rPr lang="en-US" sz="2500" dirty="0" smtClean="0">
-                <a:latin typeface="Verdana" pitchFamily="34" charset="0"/>
-              </a:rPr>
-              <a:t>. We used an ELM327 based OBD to USB adaptor to establish a serial connection with the car’s CAN bus. We used the Raspberry Pi 3’s built in Wi-Fi capabilities to connect to a hotspot for an internet connection on the road. </a:t>
-            </a:r>
-            <a:endParaRPr lang="en-US" sz="2500" dirty="0">
+              <a:rPr lang="en-US" sz="3200" dirty="0" smtClean="0">
+                <a:latin typeface="Verdana" pitchFamily="34" charset="0"/>
+              </a:rPr>
+              <a:t>i 3 is used as the “brain” of the device. A camera module is attached for the backup camera and a GPS module is used for navigation capabilities. An OBD port cable sends car data to the raspberry pi with 7” touchscreen LCD. </a:t>
+            </a:r>
+            <a:r>
+              <a:rPr lang="en-US" sz="3200" dirty="0" smtClean="0">
+                <a:latin typeface="Verdana" pitchFamily="34" charset="0"/>
+              </a:rPr>
+              <a:t>We </a:t>
+            </a:r>
+            <a:r>
+              <a:rPr lang="en-US" sz="3200" dirty="0" smtClean="0">
+                <a:latin typeface="Verdana" pitchFamily="34" charset="0"/>
+              </a:rPr>
+              <a:t>used an ELM327 based OBD to USB adaptor to establish a serial connection with the car’s CAN bus. </a:t>
+            </a:r>
+            <a:endParaRPr lang="en-US" sz="3200" dirty="0" smtClean="0">
               <a:latin typeface="Verdana" pitchFamily="34" charset="0"/>
             </a:endParaRPr>
           </a:p>
           <a:p>
-            <a:endParaRPr lang="en-US" sz="2800" dirty="0">
+            <a:endParaRPr lang="en-US" sz="3200" dirty="0">
               <a:latin typeface="Verdana" pitchFamily="34" charset="0"/>
             </a:endParaRPr>
           </a:p>
           <a:p>
             <a:r>
-              <a:rPr lang="en-US" sz="3000" dirty="0" smtClean="0">
+              <a:rPr lang="en-US" sz="3200" dirty="0" smtClean="0">
                 <a:latin typeface="Verdana" pitchFamily="34" charset="0"/>
               </a:rPr>
               <a:t>Software:</a:t>
@@ -3386,94 +3264,46 @@
           </a:p>
           <a:p>
             <a:r>
-              <a:rPr lang="en-US" sz="2500" dirty="0" smtClean="0">
+              <a:rPr lang="en-US" sz="3200" dirty="0" smtClean="0">
                 <a:latin typeface="Verdana" pitchFamily="34" charset="0"/>
               </a:rPr>
               <a:t>The script to read data from the car’s OBD port is written in Python. We used an open source library (</a:t>
             </a:r>
             <a:r>
-              <a:rPr lang="en-US" sz="2500" dirty="0" err="1">
+              <a:rPr lang="en-US" sz="3200" dirty="0" err="1">
                 <a:latin typeface="Verdana" pitchFamily="34" charset="0"/>
               </a:rPr>
               <a:t>p</a:t>
             </a:r>
             <a:r>
-              <a:rPr lang="en-US" sz="2500" dirty="0" err="1" smtClean="0">
+              <a:rPr lang="en-US" sz="3200" dirty="0" err="1" smtClean="0">
                 <a:latin typeface="Verdana" pitchFamily="34" charset="0"/>
               </a:rPr>
               <a:t>ySerial</a:t>
             </a:r>
             <a:r>
-              <a:rPr lang="en-US" sz="2500" dirty="0" smtClean="0">
-                <a:latin typeface="Verdana" pitchFamily="34" charset="0"/>
-              </a:rPr>
-              <a:t>) to establish the serial connection. </a:t>
-            </a:r>
-            <a:r>
-              <a:rPr lang="en-US" sz="2500" dirty="0" smtClean="0">
-                <a:latin typeface="Verdana" pitchFamily="34" charset="0"/>
-              </a:rPr>
-              <a:t>Firebase is used to control the </a:t>
-            </a:r>
-            <a:r>
-              <a:rPr lang="en-US" sz="2500" dirty="0" smtClean="0">
-                <a:latin typeface="Verdana" pitchFamily="34" charset="0"/>
-              </a:rPr>
-              <a:t>database, </a:t>
-            </a:r>
-            <a:r>
-              <a:rPr lang="en-US" sz="2500" dirty="0" smtClean="0">
-                <a:latin typeface="Verdana" pitchFamily="34" charset="0"/>
-              </a:rPr>
-              <a:t>where companies can </a:t>
-            </a:r>
-            <a:r>
-              <a:rPr lang="en-US" sz="2500" dirty="0" smtClean="0">
-                <a:latin typeface="Verdana" pitchFamily="34" charset="0"/>
-              </a:rPr>
-              <a:t>advertise </a:t>
-            </a:r>
-            <a:r>
-              <a:rPr lang="en-US" sz="2500" dirty="0" smtClean="0">
-                <a:latin typeface="Verdana" pitchFamily="34" charset="0"/>
-              </a:rPr>
-              <a:t>onto </a:t>
-            </a:r>
-            <a:r>
-              <a:rPr lang="en-US" sz="2500" dirty="0" smtClean="0">
-                <a:latin typeface="Verdana" pitchFamily="34" charset="0"/>
-              </a:rPr>
-              <a:t>the GPS module. </a:t>
-            </a:r>
-            <a:r>
-              <a:rPr lang="en-US" sz="2500" dirty="0" err="1">
+              <a:rPr lang="en-US" sz="3200" dirty="0" smtClean="0">
+                <a:latin typeface="Verdana" pitchFamily="34" charset="0"/>
+              </a:rPr>
+              <a:t>) to establish the serial connection. Firebase is used to control the database, where companies can advertise onto the GPS module. </a:t>
+            </a:r>
+            <a:r>
+              <a:rPr lang="en-US" sz="3200" dirty="0" err="1">
                 <a:latin typeface="Verdana" pitchFamily="34" charset="0"/>
               </a:rPr>
               <a:t>K</a:t>
             </a:r>
             <a:r>
-              <a:rPr lang="en-US" sz="2500" dirty="0" err="1" smtClean="0">
+              <a:rPr lang="en-US" sz="3200" dirty="0" err="1" smtClean="0">
                 <a:latin typeface="Verdana" pitchFamily="34" charset="0"/>
               </a:rPr>
               <a:t>ivy</a:t>
             </a:r>
             <a:r>
-              <a:rPr lang="en-US" sz="2500" dirty="0" smtClean="0">
-                <a:latin typeface="Verdana" pitchFamily="34" charset="0"/>
-              </a:rPr>
-              <a:t> was used for the </a:t>
-            </a:r>
-            <a:r>
-              <a:rPr lang="en-US" sz="2500" dirty="0" smtClean="0">
-                <a:latin typeface="Verdana" pitchFamily="34" charset="0"/>
-              </a:rPr>
-              <a:t>GUI, which will </a:t>
-            </a:r>
-            <a:r>
-              <a:rPr lang="en-US" sz="2500" dirty="0" smtClean="0">
-                <a:latin typeface="Verdana" pitchFamily="34" charset="0"/>
-              </a:rPr>
-              <a:t>display the OBD data, GPS, and camera modules. The GUI also will have full touchscreen capabilities. </a:t>
+              <a:rPr lang="en-US" sz="3200" dirty="0" smtClean="0">
+                <a:latin typeface="Verdana" pitchFamily="34" charset="0"/>
+              </a:rPr>
+              <a:t> was used for the GUI, which will display the OBD data, GPS, and camera modules. The GUI also will have full touchscreen capabilities. </a:t>
             </a:r>
           </a:p>
           <a:p>
@@ -3502,8 +3332,8 @@
         </p:nvSpPr>
         <p:spPr>
           <a:xfrm>
-            <a:off x="1371600" y="14401800"/>
-            <a:ext cx="13089154" cy="9769525"/>
+            <a:off x="1371600" y="15049753"/>
+            <a:ext cx="11642458" cy="9354026"/>
           </a:xfrm>
           <a:prstGeom prst="rect">
             <a:avLst/>
@@ -3531,138 +3361,54 @@
           </a:p>
           <a:p>
             <a:r>
-              <a:rPr lang="en-US" sz="2500" dirty="0" smtClean="0">
-                <a:latin typeface="Verdana" pitchFamily="34" charset="0"/>
-              </a:rPr>
-              <a:t>Smart devices are </a:t>
-            </a:r>
-            <a:r>
-              <a:rPr lang="en-US" sz="2500" dirty="0" smtClean="0">
-                <a:latin typeface="Verdana" pitchFamily="34" charset="0"/>
-              </a:rPr>
-              <a:t>a major </a:t>
-            </a:r>
-            <a:r>
-              <a:rPr lang="en-US" sz="2500" dirty="0" smtClean="0">
-                <a:latin typeface="Verdana" pitchFamily="34" charset="0"/>
-              </a:rPr>
-              <a:t>focus of current </a:t>
-            </a:r>
-            <a:r>
-              <a:rPr lang="en-US" sz="2500" dirty="0" smtClean="0">
-                <a:latin typeface="Verdana" pitchFamily="34" charset="0"/>
-              </a:rPr>
-              <a:t>technology. </a:t>
-            </a:r>
-            <a:r>
-              <a:rPr lang="en-US" sz="2500" dirty="0" smtClean="0">
-                <a:latin typeface="Verdana" pitchFamily="34" charset="0"/>
-              </a:rPr>
-              <a:t>Our goal is to make a standalone device that turns an older model car into a ‘</a:t>
-            </a:r>
-            <a:r>
-              <a:rPr lang="en-US" sz="2500" dirty="0" smtClean="0">
-                <a:latin typeface="Verdana" pitchFamily="34" charset="0"/>
-              </a:rPr>
-              <a:t>Smart Car.’ </a:t>
-            </a:r>
-            <a:r>
-              <a:rPr lang="en-US" sz="2500" dirty="0" smtClean="0">
-                <a:latin typeface="Verdana" pitchFamily="34" charset="0"/>
-              </a:rPr>
-              <a:t>There </a:t>
-            </a:r>
-            <a:r>
-              <a:rPr lang="en-US" sz="2500" dirty="0" smtClean="0">
-                <a:latin typeface="Verdana" pitchFamily="34" charset="0"/>
-              </a:rPr>
-              <a:t>are currently </a:t>
-            </a:r>
-            <a:r>
-              <a:rPr lang="en-US" sz="2500" dirty="0" smtClean="0">
-                <a:latin typeface="Verdana" pitchFamily="34" charset="0"/>
-              </a:rPr>
-              <a:t>applications that use </a:t>
-            </a:r>
-            <a:r>
-              <a:rPr lang="en-US" sz="2500" dirty="0">
-                <a:latin typeface="Verdana" pitchFamily="34" charset="0"/>
-              </a:rPr>
-              <a:t>a </a:t>
-            </a:r>
-            <a:r>
-              <a:rPr lang="en-US" sz="2500" dirty="0" smtClean="0">
-                <a:latin typeface="Verdana" pitchFamily="34" charset="0"/>
-              </a:rPr>
-              <a:t>OBD (</a:t>
-            </a:r>
-            <a:r>
-              <a:rPr lang="en-US" sz="2500" dirty="0">
-                <a:latin typeface="Verdana" pitchFamily="34" charset="0"/>
-              </a:rPr>
-              <a:t>On-Board Diagnostic</a:t>
-            </a:r>
-            <a:r>
-              <a:rPr lang="en-US" sz="2500" dirty="0" smtClean="0">
-                <a:latin typeface="Verdana" pitchFamily="34" charset="0"/>
-              </a:rPr>
-              <a:t>) </a:t>
-            </a:r>
-            <a:r>
-              <a:rPr lang="en-US" sz="2500" dirty="0" smtClean="0">
-                <a:latin typeface="Verdana" pitchFamily="34" charset="0"/>
-              </a:rPr>
-              <a:t>connection to </a:t>
-            </a:r>
-            <a:r>
-              <a:rPr lang="en-US" sz="2500" dirty="0" smtClean="0">
-                <a:latin typeface="Verdana" pitchFamily="34" charset="0"/>
-              </a:rPr>
-              <a:t>access </a:t>
-            </a:r>
-            <a:r>
-              <a:rPr lang="en-US" sz="2500" dirty="0" smtClean="0">
-                <a:latin typeface="Verdana" pitchFamily="34" charset="0"/>
-              </a:rPr>
-              <a:t>data from the car, </a:t>
-            </a:r>
-            <a:r>
-              <a:rPr lang="en-US" sz="2500" dirty="0" smtClean="0">
-                <a:latin typeface="Verdana" pitchFamily="34" charset="0"/>
-              </a:rPr>
-              <a:t>but </a:t>
-            </a:r>
-            <a:r>
-              <a:rPr lang="en-US" sz="2500" dirty="0" smtClean="0">
-                <a:latin typeface="Verdana" pitchFamily="34" charset="0"/>
-              </a:rPr>
-              <a:t>most are missing additional smart features. </a:t>
-            </a:r>
-            <a:r>
-              <a:rPr lang="en-US" sz="2500" dirty="0" smtClean="0">
-                <a:latin typeface="Verdana" pitchFamily="34" charset="0"/>
-              </a:rPr>
-              <a:t>Many of these devices depend on a smart phone as the display. This capstone’s goal is to </a:t>
-            </a:r>
-            <a:r>
-              <a:rPr lang="en-US" sz="2500" dirty="0" smtClean="0">
-                <a:latin typeface="Verdana" pitchFamily="34" charset="0"/>
-              </a:rPr>
-              <a:t>make a </a:t>
-            </a:r>
-            <a:r>
-              <a:rPr lang="en-US" sz="2500" dirty="0" smtClean="0">
-                <a:latin typeface="Verdana" pitchFamily="34" charset="0"/>
-              </a:rPr>
-              <a:t>device that will be able to access and display important car </a:t>
-            </a:r>
-            <a:r>
-              <a:rPr lang="en-US" sz="2500" dirty="0" smtClean="0">
-                <a:latin typeface="Verdana" pitchFamily="34" charset="0"/>
-              </a:rPr>
-              <a:t>data, have GPS and camera capabilities, a database of local businesses, and the potential for additional features.</a:t>
-            </a:r>
-            <a:endParaRPr lang="en-US" sz="2500" dirty="0">
+              <a:rPr lang="en-US" sz="3200" dirty="0" smtClean="0">
+                <a:latin typeface="Verdana" pitchFamily="34" charset="0"/>
+              </a:rPr>
+              <a:t>Our </a:t>
+            </a:r>
+            <a:r>
+              <a:rPr lang="en-US" sz="3200" dirty="0" smtClean="0">
+                <a:latin typeface="Verdana" pitchFamily="34" charset="0"/>
+              </a:rPr>
+              <a:t>goal is to make a standalone device that turns an older model car into a ‘Smart </a:t>
+            </a:r>
+            <a:r>
+              <a:rPr lang="en-US" sz="3200" dirty="0" smtClean="0">
+                <a:latin typeface="Verdana" pitchFamily="34" charset="0"/>
+              </a:rPr>
+              <a:t>Car’. This </a:t>
+            </a:r>
+            <a:r>
+              <a:rPr lang="en-US" sz="3200" dirty="0" smtClean="0">
+                <a:latin typeface="Verdana" pitchFamily="34" charset="0"/>
+              </a:rPr>
+              <a:t>capstone’s goal is to make a device that will be able to access and display important car data, have GPS and camera capabilities, </a:t>
+            </a:r>
+            <a:r>
+              <a:rPr lang="en-US" sz="3200" dirty="0" smtClean="0">
+                <a:latin typeface="Verdana" pitchFamily="34" charset="0"/>
+              </a:rPr>
+              <a:t>contain a </a:t>
+            </a:r>
+            <a:r>
+              <a:rPr lang="en-US" sz="3200" dirty="0" smtClean="0">
+                <a:latin typeface="Verdana" pitchFamily="34" charset="0"/>
+              </a:rPr>
+              <a:t>database of local businesses, and </a:t>
+            </a:r>
+            <a:r>
+              <a:rPr lang="en-US" sz="3200" dirty="0" smtClean="0">
+                <a:latin typeface="Verdana" pitchFamily="34" charset="0"/>
+              </a:rPr>
+              <a:t>has the </a:t>
+            </a:r>
+            <a:r>
+              <a:rPr lang="en-US" sz="3200" dirty="0" smtClean="0">
+                <a:latin typeface="Verdana" pitchFamily="34" charset="0"/>
+              </a:rPr>
+              <a:t>potential for additional features.</a:t>
+            </a:r>
+            <a:endParaRPr lang="en-US" sz="3200" dirty="0">
               <a:latin typeface="Verdana" pitchFamily="34" charset="0"/>
             </a:endParaRPr>
           </a:p>
@@ -3685,10 +3431,16 @@
               <a:buChar char="•"/>
             </a:pPr>
             <a:r>
-              <a:rPr lang="en-US" sz="2500" dirty="0">
-                <a:latin typeface="Verdana" pitchFamily="34" charset="0"/>
-              </a:rPr>
-              <a:t>Eliminate the dependence of a smart phone by using a large touchscreen display</a:t>
+              <a:rPr lang="en-US" sz="3200" dirty="0" smtClean="0">
+                <a:latin typeface="Verdana" pitchFamily="34" charset="0"/>
+              </a:rPr>
+              <a:t>Uses large touchscreen </a:t>
+            </a:r>
+            <a:r>
+              <a:rPr lang="en-US" sz="3200" dirty="0">
+                <a:latin typeface="Verdana" pitchFamily="34" charset="0"/>
+              </a:rPr>
+              <a:t>display</a:t>
             </a:r>
           </a:p>
           <a:p>
@@ -3697,7 +3449,7 @@
               <a:buChar char="•"/>
             </a:pPr>
             <a:r>
-              <a:rPr lang="en-US" sz="2500" dirty="0">
+              <a:rPr lang="en-US" sz="3200" dirty="0">
                 <a:latin typeface="Verdana" pitchFamily="34" charset="0"/>
               </a:rPr>
               <a:t>Built-in GPS that notifies user of nearby surroundings via database</a:t>
@@ -3709,7 +3461,7 @@
               <a:buChar char="•"/>
             </a:pPr>
             <a:r>
-              <a:rPr lang="en-US" sz="2500" dirty="0">
+              <a:rPr lang="en-US" sz="3200" dirty="0">
                 <a:latin typeface="Verdana" pitchFamily="34" charset="0"/>
               </a:rPr>
               <a:t>Device connects to OBD port to gather important diagnostics</a:t>
@@ -3721,10 +3473,28 @@
               <a:buChar char="•"/>
             </a:pPr>
             <a:r>
-              <a:rPr lang="en-US" sz="2500" dirty="0">
-                <a:latin typeface="Verdana" pitchFamily="34" charset="0"/>
-              </a:rPr>
-              <a:t>OBD data displayed to user in meaningful way</a:t>
+              <a:rPr lang="en-US" sz="3200" dirty="0" smtClean="0">
+                <a:latin typeface="Verdana" pitchFamily="34" charset="0"/>
+              </a:rPr>
+              <a:t>Device </a:t>
+            </a:r>
+            <a:r>
+              <a:rPr lang="en-US" sz="3200" dirty="0" smtClean="0">
+                <a:latin typeface="Verdana" pitchFamily="34" charset="0"/>
+              </a:rPr>
+              <a:t>works </a:t>
+            </a:r>
+            <a:r>
+              <a:rPr lang="en-US" sz="3200" dirty="0">
+                <a:latin typeface="Verdana" pitchFamily="34" charset="0"/>
+              </a:rPr>
+              <a:t>with a car model date of 1996 or </a:t>
+            </a:r>
+            <a:r>
+              <a:rPr lang="en-US" sz="3200" dirty="0" smtClean="0">
+                <a:latin typeface="Verdana" pitchFamily="34" charset="0"/>
+              </a:rPr>
+              <a:t>later</a:t>
             </a:r>
           </a:p>
           <a:p>
@@ -3733,11 +3503,20 @@
               <a:buChar char="•"/>
             </a:pPr>
             <a:r>
-              <a:rPr lang="en-US" sz="2500" dirty="0">
-                <a:latin typeface="Verdana" pitchFamily="34" charset="0"/>
-              </a:rPr>
-              <a:t>Affordable device</a:t>
-            </a:r>
+              <a:rPr lang="en-US" sz="3200" dirty="0" smtClean="0">
+                <a:latin typeface="Verdana" pitchFamily="34" charset="0"/>
+              </a:rPr>
+              <a:t>Control interior </a:t>
+            </a:r>
+            <a:r>
+              <a:rPr lang="en-US" sz="3200" dirty="0" smtClean="0">
+                <a:latin typeface="Verdana" pitchFamily="34" charset="0"/>
+              </a:rPr>
+              <a:t>accessories through the GUI</a:t>
+            </a:r>
+            <a:endParaRPr lang="en-US" sz="3200" dirty="0">
+              <a:latin typeface="Verdana" pitchFamily="34" charset="0"/>
+            </a:endParaRPr>
           </a:p>
           <a:p>
             <a:pPr marL="685800" indent="-685800">
@@ -3745,57 +3524,18 @@
               <a:buChar char="•"/>
             </a:pPr>
             <a:r>
-              <a:rPr lang="en-US" sz="2500" dirty="0">
-                <a:latin typeface="Verdana" pitchFamily="34" charset="0"/>
-              </a:rPr>
-              <a:t>Device works with a car model date of 1996 or </a:t>
-            </a:r>
-            <a:r>
-              <a:rPr lang="en-US" sz="2500" dirty="0" smtClean="0">
-                <a:latin typeface="Verdana" pitchFamily="34" charset="0"/>
-              </a:rPr>
-              <a:t>later</a:t>
-            </a:r>
-          </a:p>
-          <a:p>
-            <a:pPr marL="685800" indent="-685800">
-              <a:buFont typeface="Arial" panose="020B0604020202020204" pitchFamily="34" charset="0"/>
-              <a:buChar char="•"/>
-            </a:pPr>
-            <a:r>
-              <a:rPr lang="en-US" sz="2500" dirty="0" smtClean="0">
-                <a:latin typeface="Verdana" pitchFamily="34" charset="0"/>
-              </a:rPr>
-              <a:t>Control interior accessories through the GUI</a:t>
-            </a:r>
-            <a:endParaRPr lang="en-US" sz="2500" dirty="0">
-              <a:latin typeface="Verdana" pitchFamily="34" charset="0"/>
-            </a:endParaRPr>
-          </a:p>
-          <a:p>
-            <a:pPr marL="685800" indent="-685800">
-              <a:buFont typeface="Arial" panose="020B0604020202020204" pitchFamily="34" charset="0"/>
-              <a:buChar char="•"/>
-            </a:pPr>
-            <a:r>
-              <a:rPr lang="en-US" sz="2500" dirty="0">
-                <a:latin typeface="Verdana" pitchFamily="34" charset="0"/>
-              </a:rPr>
-              <a:t>Raspberry Pi is preferred “brain” of the device with a GUI (Graphical User Interface) </a:t>
-            </a:r>
-            <a:r>
-              <a:rPr lang="en-US" sz="2500" dirty="0" smtClean="0">
-                <a:latin typeface="Verdana" pitchFamily="34" charset="0"/>
-              </a:rPr>
-              <a:t>running</a:t>
-            </a:r>
-          </a:p>
-          <a:p>
-            <a:pPr marL="685800" indent="-685800">
-              <a:buFont typeface="Arial" panose="020B0604020202020204" pitchFamily="34" charset="0"/>
-              <a:buChar char="•"/>
-            </a:pPr>
-            <a:endParaRPr lang="en-US" sz="2500" dirty="0">
+              <a:rPr lang="en-US" sz="3200" dirty="0">
+                <a:latin typeface="Verdana" pitchFamily="34" charset="0"/>
+              </a:rPr>
+              <a:t>Raspberry Pi is preferred “brain” of the </a:t>
+            </a:r>
+            <a:r>
+              <a:rPr lang="en-US" sz="3200" dirty="0" smtClean="0">
+                <a:latin typeface="Verdana" pitchFamily="34" charset="0"/>
+              </a:rPr>
+              <a:t>device</a:t>
+            </a:r>
+            <a:endParaRPr lang="en-US" sz="3200" dirty="0">
               <a:latin typeface="Verdana" pitchFamily="34" charset="0"/>
             </a:endParaRPr>
           </a:p>
@@ -3819,8 +3559,8 @@
         </p:nvSpPr>
         <p:spPr>
           <a:xfrm>
-            <a:off x="781014" y="828228"/>
-            <a:ext cx="42329172" cy="5568375"/>
+            <a:off x="1239502" y="828228"/>
+            <a:ext cx="41513753" cy="5568375"/>
           </a:xfrm>
           <a:prstGeom prst="rect">
             <a:avLst/>
@@ -4090,8 +3830,8 @@
         </p:blipFill>
         <p:spPr>
           <a:xfrm>
-            <a:off x="2971800" y="6932365"/>
-            <a:ext cx="9200535" cy="7026002"/>
+            <a:off x="1502228" y="6870987"/>
+            <a:ext cx="10752136" cy="7802778"/>
           </a:xfrm>
           <a:prstGeom prst="rect">
             <a:avLst/>
@@ -4125,7 +3865,7 @@
         </p:blipFill>
         <p:spPr>
           <a:xfrm>
-            <a:off x="29826616" y="7428235"/>
+            <a:off x="29413200" y="7032396"/>
             <a:ext cx="6482054" cy="3343275"/>
           </a:xfrm>
           <a:prstGeom prst="rect">
@@ -4155,7 +3895,7 @@
         </p:blipFill>
         <p:spPr>
           <a:xfrm>
-            <a:off x="36576000" y="7473169"/>
+            <a:off x="36195000" y="7006882"/>
             <a:ext cx="6482054" cy="3341265"/>
           </a:xfrm>
           <a:prstGeom prst="rect">
@@ -4185,7 +3925,7 @@
         </p:blipFill>
         <p:spPr>
           <a:xfrm>
-            <a:off x="29826616" y="11027037"/>
+            <a:off x="29413200" y="10615629"/>
             <a:ext cx="6482054" cy="3260463"/>
           </a:xfrm>
           <a:prstGeom prst="rect">
@@ -4201,8 +3941,8 @@
         </p:nvSpPr>
         <p:spPr>
           <a:xfrm>
-            <a:off x="15509782" y="7672984"/>
-            <a:ext cx="3415260" cy="6230094"/>
+            <a:off x="14173200" y="7960401"/>
+            <a:ext cx="3841262" cy="4506546"/>
           </a:xfrm>
           <a:prstGeom prst="rect">
             <a:avLst/>
@@ -4220,7 +3960,7 @@
           <a:p>
             <a:pPr algn="ctr"/>
             <a:r>
-              <a:rPr lang="en-US" sz="2500" b="1" dirty="0" smtClean="0">
+              <a:rPr lang="en-US" sz="3200" b="1" dirty="0" smtClean="0">
                 <a:latin typeface="Verdana" pitchFamily="34" charset="0"/>
               </a:rPr>
               <a:t>Navigation module:</a:t>
@@ -4229,63 +3969,30 @@
           <a:p>
             <a:pPr algn="ctr"/>
             <a:r>
-              <a:rPr lang="en-US" sz="2500" dirty="0" smtClean="0">
-                <a:latin typeface="Verdana" pitchFamily="34" charset="0"/>
-              </a:rPr>
-              <a:t>The GPS module allows typical navigation features. This is a screenshot from the </a:t>
-            </a:r>
-            <a:r>
-              <a:rPr lang="en-US" sz="2500" dirty="0" err="1" smtClean="0">
-                <a:latin typeface="Verdana" pitchFamily="34" charset="0"/>
-              </a:rPr>
-              <a:t>RPi</a:t>
-            </a:r>
-            <a:r>
-              <a:rPr lang="en-US" sz="2500" dirty="0" smtClean="0">
-                <a:latin typeface="Verdana" pitchFamily="34" charset="0"/>
-              </a:rPr>
-              <a:t> showing a </a:t>
-            </a:r>
-            <a:r>
-              <a:rPr lang="en-US" sz="2500" dirty="0" smtClean="0">
-                <a:latin typeface="Verdana" pitchFamily="34" charset="0"/>
-              </a:rPr>
-              <a:t>map (using </a:t>
-            </a:r>
-            <a:r>
-              <a:rPr lang="en-US" sz="2500" dirty="0" err="1" smtClean="0">
+              <a:rPr lang="en-US" sz="3200" dirty="0" smtClean="0">
+                <a:latin typeface="Verdana" pitchFamily="34" charset="0"/>
+              </a:rPr>
+              <a:t>The GPS module allows typical navigation features. This screenshot shows a </a:t>
+            </a:r>
+            <a:r>
+              <a:rPr lang="en-US" sz="3200" dirty="0">
+                <a:latin typeface="Verdana" pitchFamily="34" charset="0"/>
+              </a:rPr>
+              <a:t>map of Portland (using </a:t>
+            </a:r>
+            <a:r>
+              <a:rPr lang="en-US" sz="3200" dirty="0" err="1">
                 <a:latin typeface="Verdana" pitchFamily="34" charset="0"/>
               </a:rPr>
               <a:t>Navit</a:t>
             </a:r>
             <a:r>
-              <a:rPr lang="en-US" sz="2500" dirty="0" smtClean="0">
-                <a:latin typeface="Verdana" pitchFamily="34" charset="0"/>
-              </a:rPr>
-              <a:t>) </a:t>
-            </a:r>
-            <a:r>
-              <a:rPr lang="en-US" sz="2500" dirty="0" smtClean="0">
-                <a:latin typeface="Verdana" pitchFamily="34" charset="0"/>
-              </a:rPr>
-              <a:t>of Portland. The GPS module will be used with the database to show the </a:t>
-            </a:r>
-            <a:r>
-              <a:rPr lang="en-US" sz="2500" dirty="0" smtClean="0">
-                <a:latin typeface="Verdana" pitchFamily="34" charset="0"/>
-              </a:rPr>
-              <a:t>driver </a:t>
-            </a:r>
-            <a:r>
-              <a:rPr lang="en-US" sz="2500" dirty="0" smtClean="0">
-                <a:latin typeface="Verdana" pitchFamily="34" charset="0"/>
-              </a:rPr>
-              <a:t>“pop-ups”</a:t>
-            </a:r>
-          </a:p>
-          <a:p>
-            <a:pPr algn="ctr"/>
-            <a:endParaRPr lang="en-US" sz="5000" dirty="0" smtClean="0">
+              <a:rPr lang="en-US" sz="3200" dirty="0" smtClean="0">
+                <a:latin typeface="Verdana" pitchFamily="34" charset="0"/>
+              </a:rPr>
+              <a:t>). </a:t>
+            </a:r>
+            <a:endParaRPr lang="en-US" sz="3200" dirty="0" smtClean="0">
               <a:latin typeface="Verdana" pitchFamily="34" charset="0"/>
             </a:endParaRPr>
           </a:p>
@@ -4313,7 +4020,7 @@
         </p:blipFill>
         <p:spPr>
           <a:xfrm>
-            <a:off x="15884333" y="21248035"/>
+            <a:off x="15087600" y="21882480"/>
             <a:ext cx="9696161" cy="6463920"/>
           </a:xfrm>
           <a:prstGeom prst="rect">
@@ -4329,8 +4036,8 @@
         </p:nvSpPr>
         <p:spPr>
           <a:xfrm>
-            <a:off x="25761479" y="22267677"/>
-            <a:ext cx="3657599" cy="4691212"/>
+            <a:off x="25069800" y="22942765"/>
+            <a:ext cx="3078443" cy="4014103"/>
           </a:xfrm>
           <a:prstGeom prst="rect">
             <a:avLst/>
@@ -4347,14 +4054,14 @@
           <a:lstStyle/>
           <a:p>
             <a:pPr algn="ctr"/>
-            <a:endParaRPr lang="en-US" sz="2500" b="1" dirty="0" smtClean="0">
+            <a:endParaRPr lang="en-US" sz="3200" b="1" dirty="0" smtClean="0">
               <a:latin typeface="Verdana" pitchFamily="34" charset="0"/>
             </a:endParaRPr>
           </a:p>
           <a:p>
             <a:pPr algn="ctr"/>
             <a:r>
-              <a:rPr lang="en-US" sz="2500" b="1" dirty="0" smtClean="0">
+              <a:rPr lang="en-US" sz="3200" b="1" dirty="0" smtClean="0">
                 <a:latin typeface="Verdana" pitchFamily="34" charset="0"/>
               </a:rPr>
               <a:t>Back up Camera:</a:t>
@@ -4363,14 +4070,11 @@
           <a:p>
             <a:pPr algn="ctr"/>
             <a:r>
-              <a:rPr lang="en-US" sz="2500" dirty="0" smtClean="0">
-                <a:latin typeface="Verdana" pitchFamily="34" charset="0"/>
-              </a:rPr>
-              <a:t>Live video footage using a raspberry pi camera module. Through the GUI, the user can push the camera button to load up or turn off the camera. The idea is to be an affordable back-up camera.</a:t>
-            </a:r>
-            <a:endParaRPr lang="en-US" sz="5000" dirty="0" smtClean="0">
-              <a:latin typeface="Verdana" pitchFamily="34" charset="0"/>
-            </a:endParaRPr>
+              <a:rPr lang="en-US" sz="3200" dirty="0" smtClean="0">
+                <a:latin typeface="Verdana" pitchFamily="34" charset="0"/>
+              </a:rPr>
+              <a:t>Live video footage using a raspberry pi camera module. </a:t>
+            </a:r>
           </a:p>
         </p:txBody>
       </p:sp>
@@ -4396,8 +4100,8 @@
         </p:blipFill>
         <p:spPr>
           <a:xfrm>
-            <a:off x="19202400" y="7428235"/>
-            <a:ext cx="9447540" cy="5680000"/>
+            <a:off x="18288000" y="7097767"/>
+            <a:ext cx="10012050" cy="6019392"/>
           </a:xfrm>
           <a:prstGeom prst="rect">
             <a:avLst/>
@@ -4412,8 +4116,8 @@
         </p:nvSpPr>
         <p:spPr>
           <a:xfrm>
-            <a:off x="36666719" y="11184096"/>
-            <a:ext cx="6482054" cy="3921770"/>
+            <a:off x="36347400" y="10688707"/>
+            <a:ext cx="6256336" cy="3029218"/>
           </a:xfrm>
           <a:prstGeom prst="rect">
             <a:avLst/>
@@ -4431,47 +4135,48 @@
           <a:p>
             <a:pPr algn="ctr"/>
             <a:r>
-              <a:rPr lang="en-US" sz="2500" b="1" dirty="0" smtClean="0">
+              <a:rPr lang="en-US" sz="3200" b="1" dirty="0" smtClean="0">
                 <a:latin typeface="Verdana" pitchFamily="34" charset="0"/>
               </a:rPr>
               <a:t>Graphical User Interface</a:t>
             </a:r>
             <a:r>
-              <a:rPr lang="en-US" sz="2500" dirty="0" smtClean="0">
+              <a:rPr lang="en-US" sz="3200" dirty="0" smtClean="0">
                 <a:latin typeface="Verdana" pitchFamily="34" charset="0"/>
               </a:rPr>
               <a:t> </a:t>
             </a:r>
             <a:r>
-              <a:rPr lang="en-US" sz="2500" b="1" dirty="0" smtClean="0">
+              <a:rPr lang="en-US" sz="3200" b="1" dirty="0" smtClean="0">
                 <a:latin typeface="Verdana" pitchFamily="34" charset="0"/>
               </a:rPr>
               <a:t>(GUI)</a:t>
             </a:r>
             <a:r>
-              <a:rPr lang="en-US" sz="2500" dirty="0" smtClean="0">
-                <a:latin typeface="Verdana" pitchFamily="34" charset="0"/>
-              </a:rPr>
-              <a:t>: These three images are screenshots from the GUI. The home page has 3 buttons. The user </a:t>
-            </a:r>
-            <a:r>
-              <a:rPr lang="en-US" sz="2500" dirty="0" smtClean="0">
-                <a:latin typeface="Verdana" pitchFamily="34" charset="0"/>
-              </a:rPr>
-              <a:t>can swipe </a:t>
-            </a:r>
-            <a:r>
-              <a:rPr lang="en-US" sz="2500" dirty="0" smtClean="0">
-                <a:latin typeface="Verdana" pitchFamily="34" charset="0"/>
-              </a:rPr>
-              <a:t>left to see the two following pages. The next page displays car diagnostic data from the OBD port. The last page displays the error codes from the OBD port.</a:t>
-            </a:r>
-            <a:endParaRPr lang="en-US" sz="5400" dirty="0">
-              <a:latin typeface="Verdana" pitchFamily="34" charset="0"/>
-            </a:endParaRPr>
-          </a:p>
-          <a:p>
-            <a:endParaRPr lang="en-US" sz="5000" dirty="0" smtClean="0">
+              <a:rPr lang="en-US" sz="3200" dirty="0" smtClean="0">
+                <a:latin typeface="Verdana" pitchFamily="34" charset="0"/>
+              </a:rPr>
+              <a:t>: These </a:t>
+            </a:r>
+            <a:r>
+              <a:rPr lang="en-US" sz="3200" dirty="0" smtClean="0">
+                <a:latin typeface="Verdana" pitchFamily="34" charset="0"/>
+              </a:rPr>
+              <a:t>images </a:t>
+            </a:r>
+            <a:r>
+              <a:rPr lang="en-US" sz="3200" dirty="0" smtClean="0">
+                <a:latin typeface="Verdana" pitchFamily="34" charset="0"/>
+              </a:rPr>
+              <a:t>are screenshots from the GUI. </a:t>
+            </a:r>
+            <a:r>
+              <a:rPr lang="en-US" sz="3200" dirty="0" smtClean="0">
+                <a:latin typeface="Verdana" pitchFamily="34" charset="0"/>
+              </a:rPr>
+              <a:t>There is a home page, a car diagnostics page, and an error codes page.</a:t>
+            </a:r>
+            <a:endParaRPr lang="en-US" sz="3200" dirty="0" smtClean="0">
               <a:latin typeface="Verdana" pitchFamily="34" charset="0"/>
             </a:endParaRPr>
           </a:p>
@@ -4485,8 +4190,8 @@
         </p:nvSpPr>
         <p:spPr>
           <a:xfrm>
-            <a:off x="30327600" y="25908000"/>
-            <a:ext cx="12249875" cy="2382887"/>
+            <a:off x="29565600" y="24741525"/>
+            <a:ext cx="12961936" cy="3521661"/>
           </a:xfrm>
           <a:prstGeom prst="rect">
             <a:avLst/>
@@ -4504,47 +4209,33 @@
           <a:p>
             <a:pPr algn="ctr"/>
             <a:r>
-              <a:rPr lang="en-US" sz="2500" b="1" dirty="0" smtClean="0">
+              <a:rPr lang="en-US" sz="3200" b="1" dirty="0" smtClean="0">
                 <a:latin typeface="Verdana" pitchFamily="34" charset="0"/>
               </a:rPr>
               <a:t>Firebase Database: </a:t>
             </a:r>
             <a:r>
-              <a:rPr lang="en-US" sz="2500" dirty="0">
+              <a:rPr lang="en-US" sz="3200" dirty="0">
                 <a:latin typeface="Verdana"/>
                 <a:cs typeface="Verdana"/>
               </a:rPr>
               <a:t>Firebase allows us to easily add and modify location information in a JSON-style database. The data we stored on each location </a:t>
             </a:r>
             <a:r>
-              <a:rPr lang="en-US" sz="2500" dirty="0" smtClean="0">
+              <a:rPr lang="en-US" sz="3200" dirty="0" smtClean="0">
                 <a:latin typeface="Verdana"/>
                 <a:cs typeface="Verdana"/>
               </a:rPr>
               <a:t>consists </a:t>
             </a:r>
             <a:r>
-              <a:rPr lang="en-US" sz="2500" dirty="0">
+              <a:rPr lang="en-US" sz="3200" dirty="0">
                 <a:latin typeface="Verdana"/>
                 <a:cs typeface="Verdana"/>
               </a:rPr>
-              <a:t>of its latitude, longitude, business type, and the location of its image in the Firebase database. As seen in the screenshots, each location has a </a:t>
-            </a:r>
-            <a:r>
-              <a:rPr lang="en-US" sz="2500" dirty="0">
-                <a:latin typeface="Verdana"/>
-                <a:cs typeface="Verdana"/>
-              </a:rPr>
-              <a:t>unique</a:t>
-            </a:r>
-            <a:r>
-              <a:rPr lang="en-US" sz="2500" dirty="0">
-                <a:latin typeface="Verdana"/>
-                <a:cs typeface="Verdana"/>
-              </a:rPr>
-              <a:t> 6-character ID so that gathering information on a single location is quick and convenient.</a:t>
-            </a:r>
-            <a:endParaRPr lang="en-US" sz="2500" dirty="0" smtClean="0">
+              <a:t>of its latitude, longitude, business type, and the location of its image in the Firebase database. As seen in the screenshots, each location has a unique 6-character ID so that gathering information on a single location is quick and convenient.</a:t>
+            </a:r>
+            <a:endParaRPr lang="en-US" sz="3200" dirty="0" smtClean="0">
               <a:latin typeface="Verdana"/>
               <a:cs typeface="Verdana"/>
             </a:endParaRPr>
@@ -4559,8 +4250,8 @@
         </p:nvSpPr>
         <p:spPr>
           <a:xfrm>
-            <a:off x="29848628" y="15276600"/>
-            <a:ext cx="13454743" cy="3829437"/>
+            <a:off x="29413200" y="14287500"/>
+            <a:ext cx="13340055" cy="4752767"/>
           </a:xfrm>
           <a:prstGeom prst="rect">
             <a:avLst/>
@@ -4588,56 +4279,23 @@
           </a:p>
           <a:p>
             <a:r>
-              <a:rPr lang="en-US" sz="2500" dirty="0" smtClean="0">
-                <a:latin typeface="Verdana" pitchFamily="34" charset="0"/>
-              </a:rPr>
-              <a:t>The next steps for this project would be to write to the OBD </a:t>
-            </a:r>
-            <a:r>
-              <a:rPr lang="en-US" sz="2500" dirty="0" smtClean="0">
-                <a:latin typeface="Verdana" pitchFamily="34" charset="0"/>
-              </a:rPr>
-              <a:t>port. </a:t>
-            </a:r>
-            <a:r>
-              <a:rPr lang="en-US" sz="2500" dirty="0" smtClean="0">
-                <a:latin typeface="Verdana" pitchFamily="34" charset="0"/>
-              </a:rPr>
-              <a:t>This would allow further </a:t>
-            </a:r>
-            <a:r>
-              <a:rPr lang="en-US" sz="2500" dirty="0" smtClean="0">
-                <a:latin typeface="Verdana" pitchFamily="34" charset="0"/>
-              </a:rPr>
-              <a:t>advanced </a:t>
-            </a:r>
-            <a:r>
-              <a:rPr lang="en-US" sz="2500" dirty="0" smtClean="0">
-                <a:latin typeface="Verdana" pitchFamily="34" charset="0"/>
-              </a:rPr>
-              <a:t>features such as rolling down the windows, </a:t>
-            </a:r>
-            <a:r>
-              <a:rPr lang="en-US" sz="2500" dirty="0" smtClean="0">
-                <a:latin typeface="Verdana" pitchFamily="34" charset="0"/>
-              </a:rPr>
-              <a:t>automatic </a:t>
-            </a:r>
-            <a:r>
-              <a:rPr lang="en-US" sz="2500" dirty="0" smtClean="0">
-                <a:latin typeface="Verdana" pitchFamily="34" charset="0"/>
-              </a:rPr>
-              <a:t>windshield wipers, or turning on the headlights all through the Raspberry Pi/ GUI. Another step would be to actively have deals pop up on the </a:t>
-            </a:r>
-            <a:r>
-              <a:rPr lang="en-US" sz="2500" dirty="0" smtClean="0">
-                <a:latin typeface="Verdana" pitchFamily="34" charset="0"/>
-              </a:rPr>
-              <a:t>GPS. </a:t>
-            </a:r>
-            <a:endParaRPr lang="en-US" sz="2500" dirty="0" smtClean="0">
-              <a:latin typeface="Verdana" pitchFamily="34" charset="0"/>
-            </a:endParaRPr>
+              <a:rPr lang="en-US" sz="3200" dirty="0" smtClean="0">
+                <a:latin typeface="Verdana" pitchFamily="34" charset="0"/>
+              </a:rPr>
+              <a:t>The next steps for this project would be to write to the OBD port. This would allow further advanced features such as rolling down the windows, automatic windshield wipers, or turning on the headlights all through the Raspberry </a:t>
+            </a:r>
+            <a:r>
+              <a:rPr lang="en-US" sz="3200" dirty="0" smtClean="0">
+                <a:latin typeface="Verdana" pitchFamily="34" charset="0"/>
+              </a:rPr>
+              <a:t>Pi/GUI</a:t>
+            </a:r>
+            <a:r>
+              <a:rPr lang="en-US" sz="3200" dirty="0" smtClean="0">
+                <a:latin typeface="Verdana" pitchFamily="34" charset="0"/>
+              </a:rPr>
+              <a:t>. Another step would be to actively have deals pop up on the GPS. </a:t>
+            </a:r>
           </a:p>
           <a:p>
             <a:r>
@@ -4679,7 +4337,7 @@
         </p:blipFill>
         <p:spPr>
           <a:xfrm>
-            <a:off x="39495207" y="18745200"/>
+            <a:off x="38938200" y="17787921"/>
             <a:ext cx="3562847" cy="6681744"/>
           </a:xfrm>
           <a:prstGeom prst="rect">
@@ -4709,7 +4367,7 @@
         </p:blipFill>
         <p:spPr>
           <a:xfrm>
-            <a:off x="29998318" y="18745200"/>
+            <a:off x="29565600" y="17787921"/>
             <a:ext cx="8909059" cy="6641791"/>
           </a:xfrm>
           <a:prstGeom prst="rect">
@@ -4740,7 +4398,7 @@
         </p:blipFill>
         <p:spPr bwMode="auto">
           <a:xfrm>
-            <a:off x="1051228" y="25512054"/>
+            <a:off x="1239502" y="26437876"/>
             <a:ext cx="4169996" cy="2137124"/>
           </a:xfrm>
           <a:prstGeom prst="rect">
@@ -4749,7 +4407,7 @@
           <a:noFill/>
           <a:extLst>
             <a:ext uri="{909E8E84-426E-40dd-AFC4-6F175D3DCCD1}">
-              <a14:hiddenFill xmlns:a14="http://schemas.microsoft.com/office/drawing/2010/main">
+              <a14:hiddenFill xmlns:a14="http://schemas.microsoft.com/office/drawing/2010/main" xmlns="">
                 <a:solidFill>
                   <a:srgbClr val="FFFFFF"/>
                 </a:solidFill>
@@ -4781,7 +4439,7 @@
         </p:blipFill>
         <p:spPr bwMode="auto">
           <a:xfrm>
-            <a:off x="3825468" y="25049406"/>
+            <a:off x="4139195" y="25651478"/>
             <a:ext cx="6190986" cy="2923522"/>
           </a:xfrm>
           <a:prstGeom prst="rect">
@@ -4790,7 +4448,7 @@
           <a:noFill/>
           <a:extLst>
             <a:ext uri="{909E8E84-426E-40dd-AFC4-6F175D3DCCD1}">
-              <a14:hiddenFill xmlns:a14="http://schemas.microsoft.com/office/drawing/2010/main">
+              <a14:hiddenFill xmlns:a14="http://schemas.microsoft.com/office/drawing/2010/main" xmlns="">
                 <a:solidFill>
                   <a:srgbClr val="FFFFFF"/>
                 </a:solidFill>
@@ -4821,8 +4479,8 @@
         </p:blipFill>
         <p:spPr>
           <a:xfrm>
-            <a:off x="9440847" y="25401311"/>
-            <a:ext cx="4495734" cy="2247867"/>
+            <a:off x="9641095" y="26178913"/>
+            <a:ext cx="4040197" cy="2020099"/>
           </a:xfrm>
           <a:prstGeom prst="rect">
             <a:avLst/>
@@ -4851,7 +4509,7 @@
         </p:blipFill>
         <p:spPr>
           <a:xfrm>
-            <a:off x="10310369" y="22413114"/>
+            <a:off x="10287371" y="23521160"/>
             <a:ext cx="2857315" cy="2857315"/>
           </a:xfrm>
           <a:prstGeom prst="rect">
@@ -4881,7 +4539,7 @@
         </p:blipFill>
         <p:spPr>
           <a:xfrm>
-            <a:off x="1447800" y="23164800"/>
+            <a:off x="1712582" y="24067694"/>
             <a:ext cx="7105220" cy="1776305"/>
           </a:xfrm>
           <a:prstGeom prst="rect">
@@ -4897,7 +4555,7 @@
   <p:timing>
     <p:tnLst>
       <p:par>
-        <p:cTn xmlns:p14="http://schemas.microsoft.com/office/powerpoint/2010/main" id="1" dur="indefinite" restart="never" nodeType="tmRoot"/>
+        <p:cTn id="1" dur="indefinite" restart="never" nodeType="tmRoot"/>
       </p:par>
     </p:tnLst>
   </p:timing>
